--- a/课程PPT/15.JS原型继承.pptx
+++ b/课程PPT/15.JS原型继承.pptx
@@ -5,24 +5,25 @@
     <p:sldMasterId id="2147483648" r:id="rId1"/>
   </p:sldMasterIdLst>
   <p:notesMasterIdLst>
-    <p:notesMasterId r:id="rId17"/>
+    <p:notesMasterId r:id="rId5"/>
   </p:notesMasterIdLst>
   <p:sldIdLst>
-    <p:sldId id="1246" r:id="rId2"/>
-    <p:sldId id="1241" r:id="rId3"/>
-    <p:sldId id="1242" r:id="rId4"/>
-    <p:sldId id="1243" r:id="rId5"/>
-    <p:sldId id="1244" r:id="rId6"/>
-    <p:sldId id="1247" r:id="rId7"/>
-    <p:sldId id="1248" r:id="rId8"/>
-    <p:sldId id="1249" r:id="rId9"/>
-    <p:sldId id="1250" r:id="rId10"/>
-    <p:sldId id="1251" r:id="rId11"/>
-    <p:sldId id="1252" r:id="rId12"/>
-    <p:sldId id="1254" r:id="rId13"/>
-    <p:sldId id="1257" r:id="rId14"/>
-    <p:sldId id="1258" r:id="rId15"/>
-    <p:sldId id="1240" r:id="rId16"/>
+    <p:sldId id="1246" r:id="rId3"/>
+    <p:sldId id="1241" r:id="rId4"/>
+    <p:sldId id="1242" r:id="rId6"/>
+    <p:sldId id="1243" r:id="rId7"/>
+    <p:sldId id="1244" r:id="rId8"/>
+    <p:sldId id="1247" r:id="rId9"/>
+    <p:sldId id="1248" r:id="rId10"/>
+    <p:sldId id="1249" r:id="rId11"/>
+    <p:sldId id="1250" r:id="rId12"/>
+    <p:sldId id="1251" r:id="rId13"/>
+    <p:sldId id="1252" r:id="rId14"/>
+    <p:sldId id="1254" r:id="rId15"/>
+    <p:sldId id="1257" r:id="rId16"/>
+    <p:sldId id="1258" r:id="rId17"/>
+    <p:sldId id="1240" r:id="rId18"/>
+    <p:sldId id="1261" r:id="rId19"/>
   </p:sldIdLst>
   <p:sldSz cx="12192000" cy="6858000"/>
   <p:notesSz cx="6797675" cy="9928225"/>
@@ -341,6 +342,7 @@
               <a:rPr lang="zh-CN" altLang="zh-CN" noProof="0" smtClean="0"/>
               <a:t>                                                   </a:t>
             </a:r>
+            <a:endParaRPr lang="zh-CN" altLang="zh-CN" noProof="0" smtClean="0"/>
           </a:p>
           <a:p>
             <a:pPr lvl="1"/>
@@ -348,6 +350,7 @@
               <a:rPr lang="zh-CN" altLang="zh-CN" noProof="0" smtClean="0"/>
               <a:t>               </a:t>
             </a:r>
+            <a:endParaRPr lang="zh-CN" altLang="zh-CN" noProof="0" smtClean="0"/>
           </a:p>
           <a:p>
             <a:pPr lvl="2"/>
@@ -355,6 +358,7 @@
               <a:rPr lang="zh-CN" altLang="zh-CN" noProof="0" smtClean="0"/>
               <a:t>                </a:t>
             </a:r>
+            <a:endParaRPr lang="zh-CN" altLang="zh-CN" noProof="0" smtClean="0"/>
           </a:p>
           <a:p>
             <a:pPr lvl="3"/>
@@ -362,6 +366,7 @@
               <a:rPr lang="zh-CN" altLang="zh-CN" noProof="0" smtClean="0"/>
               <a:t>                </a:t>
             </a:r>
+            <a:endParaRPr lang="zh-CN" altLang="zh-CN" noProof="0" smtClean="0"/>
           </a:p>
           <a:p>
             <a:pPr lvl="4"/>
@@ -369,6 +374,7 @@
               <a:rPr lang="zh-CN" altLang="zh-CN" noProof="0" smtClean="0"/>
               <a:t>                </a:t>
             </a:r>
+            <a:endParaRPr lang="zh-CN" altLang="zh-CN" noProof="0" smtClean="0"/>
           </a:p>
         </p:txBody>
       </p:sp>
@@ -451,18 +457,12 @@
           <a:p>
             <a:fld id="{D9AFD278-84AA-4CAA-9049-809825956FE0}" type="slidenum">
               <a:rPr lang="en-US" altLang="zh-CN"/>
-              <a:t>‹#›</a:t>
             </a:fld>
             <a:endParaRPr lang="zh-CN" altLang="zh-CN"/>
           </a:p>
         </p:txBody>
       </p:sp>
     </p:spTree>
-    <p:extLst>
-      <p:ext uri="{BB962C8B-B14F-4D97-AF65-F5344CB8AC3E}">
-        <p14:creationId xmlns:p14="http://schemas.microsoft.com/office/powerpoint/2010/main" val="1270682758"/>
-      </p:ext>
-    </p:extLst>
   </p:cSld>
   <p:clrMap bg1="lt1" tx1="dk1" bg2="lt2" tx2="dk2" accent1="accent1" accent2="accent2" accent3="accent3" accent4="accent4" accent5="accent5" accent6="accent6" hlink="hlink" folHlink="folHlink"/>
   <p:notesStyle>
@@ -713,7 +713,6 @@
           <a:p>
             <a:fld id="{D9AFD278-84AA-4CAA-9049-809825956FE0}" type="slidenum">
               <a:rPr lang="en-US" altLang="zh-CN" smtClean="0"/>
-              <a:t>11</a:t>
             </a:fld>
             <a:endParaRPr lang="zh-CN" altLang="zh-CN"/>
           </a:p>
@@ -794,7 +793,6 @@
           <a:p>
             <a:fld id="{D9AFD278-84AA-4CAA-9049-809825956FE0}" type="slidenum">
               <a:rPr lang="en-US" altLang="zh-CN" smtClean="0"/>
-              <a:t>12</a:t>
             </a:fld>
             <a:endParaRPr lang="zh-CN" altLang="zh-CN"/>
           </a:p>
@@ -845,7 +843,6 @@
           <a:lstStyle/>
           <a:p>
             <a:pPr lvl="0"/>
-            <a:endParaRPr/>
           </a:p>
         </p:txBody>
       </p:sp>
@@ -883,6 +880,12 @@
               </a:rPr>
               <a:t>http://zh.wikipedia.org/wiki/JavaScript</a:t>
             </a:r>
+            <a:endParaRPr sz="2400">
+              <a:latin typeface="Calibri" panose="020F0502020204030204"/>
+              <a:ea typeface="Calibri" panose="020F0502020204030204"/>
+              <a:cs typeface="Calibri" panose="020F0502020204030204"/>
+              <a:sym typeface="Calibri" panose="020F0502020204030204"/>
+            </a:endParaRPr>
           </a:p>
           <a:p>
             <a:pPr lvl="0" defTabSz="914400">
@@ -1090,6 +1093,7 @@
               <a:rPr sz="2400"/>
               <a:t>，文档对象模型，浏览器对象模型。</a:t>
             </a:r>
+            <a:endParaRPr sz="2400"/>
           </a:p>
         </p:txBody>
       </p:sp>
@@ -1138,7 +1142,6 @@
           <a:lstStyle/>
           <a:p>
             <a:pPr lvl="0"/>
-            <a:endParaRPr/>
           </a:p>
         </p:txBody>
       </p:sp>
@@ -1176,6 +1179,12 @@
               </a:rPr>
               <a:t>http://zh.wikipedia.org/wiki/JavaScript</a:t>
             </a:r>
+            <a:endParaRPr sz="2400">
+              <a:latin typeface="Calibri" panose="020F0502020204030204"/>
+              <a:ea typeface="Calibri" panose="020F0502020204030204"/>
+              <a:cs typeface="Calibri" panose="020F0502020204030204"/>
+              <a:sym typeface="Calibri" panose="020F0502020204030204"/>
+            </a:endParaRPr>
           </a:p>
           <a:p>
             <a:pPr lvl="0" defTabSz="914400">
@@ -1383,6 +1392,63 @@
               <a:rPr sz="2400"/>
               <a:t>，文档对象模型，浏览器对象模型。</a:t>
             </a:r>
+            <a:endParaRPr sz="2400"/>
+          </a:p>
+        </p:txBody>
+      </p:sp>
+    </p:spTree>
+  </p:cSld>
+  <p:clrMapOvr>
+    <a:masterClrMapping/>
+  </p:clrMapOvr>
+</p:notes>
+</file>
+
+<file path=ppt/notesSlides/notesSlide14.xml><?xml version="1.0" encoding="utf-8"?>
+<p:notes xmlns:a="http://schemas.openxmlformats.org/drawingml/2006/main" xmlns:r="http://schemas.openxmlformats.org/officeDocument/2006/relationships" xmlns:p="http://schemas.openxmlformats.org/presentationml/2006/main">
+  <p:cSld>
+    <p:spTree>
+      <p:nvGrpSpPr>
+        <p:cNvPr id="1" name=""/>
+        <p:cNvGrpSpPr/>
+        <p:nvPr/>
+      </p:nvGrpSpPr>
+      <p:grpSpPr>
+        <a:xfrm>
+          <a:off x="0" y="0"/>
+          <a:ext cx="0" cy="0"/>
+          <a:chOff x="0" y="0"/>
+          <a:chExt cx="0" cy="0"/>
+        </a:xfrm>
+      </p:grpSpPr>
+      <p:sp>
+        <p:nvSpPr>
+          <p:cNvPr id="2" name="幻灯片图像占位符 1"/>
+          <p:cNvSpPr>
+            <a:spLocks noGrp="1" noRot="1" noChangeAspect="1"/>
+          </p:cNvSpPr>
+          <p:nvPr>
+            <p:ph type="sldImg" idx="2"/>
+          </p:nvPr>
+        </p:nvSpPr>
+        <p:spPr/>
+      </p:sp>
+      <p:sp>
+        <p:nvSpPr>
+          <p:cNvPr id="3" name="文本占位符 2"/>
+          <p:cNvSpPr>
+            <a:spLocks noGrp="1"/>
+          </p:cNvSpPr>
+          <p:nvPr>
+            <p:ph type="body" idx="3"/>
+          </p:nvPr>
+        </p:nvSpPr>
+        <p:spPr/>
+        <p:txBody>
+          <a:bodyPr/>
+          <a:lstStyle/>
+          <a:p>
+            <a:endParaRPr lang="zh-CN" altLang="en-US" dirty="0"/>
           </a:p>
         </p:txBody>
       </p:sp>
@@ -1492,6 +1558,9 @@
               </a:rPr>
               <a:t>Map</a:t>
             </a:r>
+            <a:endParaRPr kumimoji="0" lang="en-US" altLang="zh-CN" dirty="0" smtClean="0">
+              <a:sym typeface="+mn-ea"/>
+            </a:endParaRPr>
           </a:p>
         </p:txBody>
       </p:sp>
@@ -1512,7 +1581,6 @@
           <a:p>
             <a:fld id="{D9AFD278-84AA-4CAA-9049-809825956FE0}" type="slidenum">
               <a:rPr lang="en-US" altLang="zh-CN" smtClean="0"/>
-              <a:t>3</a:t>
             </a:fld>
             <a:endParaRPr lang="zh-CN" altLang="zh-CN"/>
           </a:p>
@@ -1597,7 +1665,6 @@
             </a:pPr>
             <a:fld id="{50FA7BE5-9B7D-4F20-881C-9A0B90E6FF72}" type="slidenum">
               <a:rPr lang="zh-CN" altLang="zh-CN" smtClean="0"/>
-              <a:t>4</a:t>
             </a:fld>
             <a:endParaRPr lang="zh-CN" altLang="zh-CN"/>
           </a:p>
@@ -1704,7 +1771,6 @@
           <a:lstStyle/>
           <a:p>
             <a:pPr lvl="0"/>
-            <a:endParaRPr/>
           </a:p>
         </p:txBody>
       </p:sp>
@@ -1742,6 +1808,12 @@
               </a:rPr>
               <a:t>http://zh.wikipedia.org/wiki/JavaScript</a:t>
             </a:r>
+            <a:endParaRPr sz="2400">
+              <a:latin typeface="Calibri" panose="020F0502020204030204"/>
+              <a:ea typeface="Calibri" panose="020F0502020204030204"/>
+              <a:cs typeface="Calibri" panose="020F0502020204030204"/>
+              <a:sym typeface="Calibri" panose="020F0502020204030204"/>
+            </a:endParaRPr>
           </a:p>
           <a:p>
             <a:pPr lvl="0" defTabSz="914400">
@@ -1949,6 +2021,7 @@
               <a:rPr sz="2400"/>
               <a:t>，文档对象模型，浏览器对象模型。</a:t>
             </a:r>
+            <a:endParaRPr sz="2400"/>
           </a:p>
         </p:txBody>
       </p:sp>
@@ -1997,7 +2070,6 @@
           <a:lstStyle/>
           <a:p>
             <a:pPr lvl="0"/>
-            <a:endParaRPr/>
           </a:p>
         </p:txBody>
       </p:sp>
@@ -2035,6 +2107,12 @@
               </a:rPr>
               <a:t>http://zh.wikipedia.org/wiki/JavaScript</a:t>
             </a:r>
+            <a:endParaRPr sz="2400">
+              <a:latin typeface="Calibri" panose="020F0502020204030204"/>
+              <a:ea typeface="Calibri" panose="020F0502020204030204"/>
+              <a:cs typeface="Calibri" panose="020F0502020204030204"/>
+              <a:sym typeface="Calibri" panose="020F0502020204030204"/>
+            </a:endParaRPr>
           </a:p>
           <a:p>
             <a:pPr lvl="0" defTabSz="914400">
@@ -2242,6 +2320,7 @@
               <a:rPr sz="2400"/>
               <a:t>，文档对象模型，浏览器对象模型。</a:t>
             </a:r>
+            <a:endParaRPr sz="2400"/>
           </a:p>
         </p:txBody>
       </p:sp>
@@ -2376,7 +2455,6 @@
           <a:p>
             <a:fld id="{D9AFD278-84AA-4CAA-9049-809825956FE0}" type="slidenum">
               <a:rPr lang="en-US" altLang="zh-CN" smtClean="0"/>
-              <a:t>9</a:t>
             </a:fld>
             <a:endParaRPr lang="zh-CN" altLang="zh-CN"/>
           </a:p>
@@ -2457,7 +2535,6 @@
           <a:p>
             <a:fld id="{D9AFD278-84AA-4CAA-9049-809825956FE0}" type="slidenum">
               <a:rPr lang="en-US" altLang="zh-CN" smtClean="0"/>
-              <a:t>10</a:t>
             </a:fld>
             <a:endParaRPr lang="zh-CN" altLang="zh-CN"/>
           </a:p>
@@ -2541,6 +2618,7 @@
               <a:rPr lang="zh-CN" altLang="en-US" dirty="0" smtClean="0"/>
               <a:t>单击此处编辑母版文本样式</a:t>
             </a:r>
+            <a:endParaRPr lang="zh-CN" altLang="en-US" dirty="0" smtClean="0"/>
           </a:p>
           <a:p>
             <a:pPr lvl="1"/>
@@ -2548,6 +2626,7 @@
               <a:rPr lang="zh-CN" altLang="en-US" dirty="0" smtClean="0"/>
               <a:t>第二级</a:t>
             </a:r>
+            <a:endParaRPr lang="zh-CN" altLang="en-US" dirty="0" smtClean="0"/>
           </a:p>
           <a:p>
             <a:pPr lvl="2"/>
@@ -2555,6 +2634,7 @@
               <a:rPr lang="zh-CN" altLang="en-US" dirty="0" smtClean="0"/>
               <a:t>第三级</a:t>
             </a:r>
+            <a:endParaRPr lang="zh-CN" altLang="en-US" dirty="0" smtClean="0"/>
           </a:p>
           <a:p>
             <a:pPr lvl="3"/>
@@ -2562,6 +2642,7 @@
               <a:rPr lang="zh-CN" altLang="en-US" dirty="0" smtClean="0"/>
               <a:t>第四级</a:t>
             </a:r>
+            <a:endParaRPr lang="zh-CN" altLang="en-US" dirty="0" smtClean="0"/>
           </a:p>
         </p:txBody>
       </p:sp>
@@ -2623,6 +2704,7 @@
               <a:rPr lang="zh-CN" altLang="en-US" dirty="0" smtClean="0"/>
               <a:t>单击此处编辑母版文本样式</a:t>
             </a:r>
+            <a:endParaRPr lang="zh-CN" altLang="en-US" dirty="0" smtClean="0"/>
           </a:p>
         </p:txBody>
       </p:sp>
@@ -2679,7 +2761,6 @@
           <a:p>
             <a:fld id="{2030C94F-1E7C-47E3-9C60-176A530B03BF}" type="slidenum">
               <a:rPr lang="en-US" altLang="zh-CN"/>
-              <a:t>‹#›</a:t>
             </a:fld>
             <a:endParaRPr lang="zh-CN" altLang="zh-CN" sz="3200" b="0"/>
           </a:p>
@@ -2770,6 +2851,7 @@
               <a:rPr lang="zh-CN" altLang="en-US" dirty="0" smtClean="0"/>
               <a:t>单击此处编辑母版文本样式</a:t>
             </a:r>
+            <a:endParaRPr lang="zh-CN" altLang="en-US" dirty="0" smtClean="0"/>
           </a:p>
           <a:p>
             <a:pPr lvl="1"/>
@@ -2777,6 +2859,7 @@
               <a:rPr lang="zh-CN" altLang="en-US" dirty="0" smtClean="0"/>
               <a:t>第二级</a:t>
             </a:r>
+            <a:endParaRPr lang="zh-CN" altLang="en-US" dirty="0" smtClean="0"/>
           </a:p>
           <a:p>
             <a:pPr lvl="2"/>
@@ -2784,6 +2867,7 @@
               <a:rPr lang="zh-CN" altLang="en-US" dirty="0" smtClean="0"/>
               <a:t>第三级</a:t>
             </a:r>
+            <a:endParaRPr lang="zh-CN" altLang="en-US" dirty="0" smtClean="0"/>
           </a:p>
           <a:p>
             <a:pPr lvl="3"/>
@@ -2791,6 +2875,7 @@
               <a:rPr lang="zh-CN" altLang="en-US" dirty="0" smtClean="0"/>
               <a:t>第四级</a:t>
             </a:r>
+            <a:endParaRPr lang="zh-CN" altLang="en-US" dirty="0" smtClean="0"/>
           </a:p>
         </p:txBody>
       </p:sp>
@@ -2848,6 +2933,7 @@
               <a:rPr lang="zh-CN" altLang="en-US" dirty="0" smtClean="0"/>
               <a:t>单击此处编辑母版文本样式</a:t>
             </a:r>
+            <a:endParaRPr lang="zh-CN" altLang="en-US" dirty="0" smtClean="0"/>
           </a:p>
         </p:txBody>
       </p:sp>
@@ -2929,6 +3015,7 @@
               <a:rPr lang="zh-CN" altLang="en-US" dirty="0" smtClean="0"/>
               <a:t>单击此处编辑母版文本样式</a:t>
             </a:r>
+            <a:endParaRPr lang="zh-CN" altLang="en-US" dirty="0" smtClean="0"/>
           </a:p>
           <a:p>
             <a:pPr lvl="1"/>
@@ -2936,6 +3023,7 @@
               <a:rPr lang="zh-CN" altLang="en-US" dirty="0" smtClean="0"/>
               <a:t>第二级</a:t>
             </a:r>
+            <a:endParaRPr lang="zh-CN" altLang="en-US" dirty="0" smtClean="0"/>
           </a:p>
           <a:p>
             <a:pPr lvl="2"/>
@@ -2943,6 +3031,7 @@
               <a:rPr lang="zh-CN" altLang="en-US" dirty="0" smtClean="0"/>
               <a:t>第三级</a:t>
             </a:r>
+            <a:endParaRPr lang="zh-CN" altLang="en-US" dirty="0" smtClean="0"/>
           </a:p>
           <a:p>
             <a:pPr lvl="3"/>
@@ -2950,6 +3039,7 @@
               <a:rPr lang="zh-CN" altLang="en-US" dirty="0" smtClean="0"/>
               <a:t>第四级</a:t>
             </a:r>
+            <a:endParaRPr lang="zh-CN" altLang="en-US" dirty="0" smtClean="0"/>
           </a:p>
         </p:txBody>
       </p:sp>
@@ -3007,6 +3097,7 @@
               <a:rPr lang="zh-CN" altLang="en-US" dirty="0" smtClean="0"/>
               <a:t>单击此处编辑母版文本样式</a:t>
             </a:r>
+            <a:endParaRPr lang="zh-CN" altLang="en-US" dirty="0" smtClean="0"/>
           </a:p>
         </p:txBody>
       </p:sp>
@@ -3088,6 +3179,7 @@
               <a:rPr lang="zh-CN" altLang="en-US" dirty="0" smtClean="0"/>
               <a:t>单击此处编辑母版文本样式</a:t>
             </a:r>
+            <a:endParaRPr lang="zh-CN" altLang="en-US" dirty="0" smtClean="0"/>
           </a:p>
           <a:p>
             <a:pPr lvl="1"/>
@@ -3095,6 +3187,7 @@
               <a:rPr lang="zh-CN" altLang="en-US" dirty="0" smtClean="0"/>
               <a:t>第二级</a:t>
             </a:r>
+            <a:endParaRPr lang="zh-CN" altLang="en-US" dirty="0" smtClean="0"/>
           </a:p>
           <a:p>
             <a:pPr lvl="2"/>
@@ -3102,6 +3195,7 @@
               <a:rPr lang="zh-CN" altLang="en-US" dirty="0" smtClean="0"/>
               <a:t>第三级</a:t>
             </a:r>
+            <a:endParaRPr lang="zh-CN" altLang="en-US" dirty="0" smtClean="0"/>
           </a:p>
           <a:p>
             <a:pPr lvl="3"/>
@@ -3109,6 +3203,7 @@
               <a:rPr lang="zh-CN" altLang="en-US" dirty="0" smtClean="0"/>
               <a:t>第四级</a:t>
             </a:r>
+            <a:endParaRPr lang="zh-CN" altLang="en-US" dirty="0" smtClean="0"/>
           </a:p>
         </p:txBody>
       </p:sp>
@@ -3166,6 +3261,7 @@
               <a:rPr lang="zh-CN" altLang="en-US" dirty="0" smtClean="0"/>
               <a:t>单击此处编辑母版文本样式</a:t>
             </a:r>
+            <a:endParaRPr lang="zh-CN" altLang="en-US" dirty="0" smtClean="0"/>
           </a:p>
         </p:txBody>
       </p:sp>
@@ -3247,6 +3343,7 @@
               <a:rPr lang="zh-CN" altLang="en-US" dirty="0" smtClean="0"/>
               <a:t>单击此处编辑母版文本样式</a:t>
             </a:r>
+            <a:endParaRPr lang="zh-CN" altLang="en-US" dirty="0" smtClean="0"/>
           </a:p>
           <a:p>
             <a:pPr lvl="1"/>
@@ -3254,6 +3351,7 @@
               <a:rPr lang="zh-CN" altLang="en-US" dirty="0" smtClean="0"/>
               <a:t>第二级</a:t>
             </a:r>
+            <a:endParaRPr lang="zh-CN" altLang="en-US" dirty="0" smtClean="0"/>
           </a:p>
           <a:p>
             <a:pPr lvl="2"/>
@@ -3261,6 +3359,7 @@
               <a:rPr lang="zh-CN" altLang="en-US" dirty="0" smtClean="0"/>
               <a:t>第三级</a:t>
             </a:r>
+            <a:endParaRPr lang="zh-CN" altLang="en-US" dirty="0" smtClean="0"/>
           </a:p>
           <a:p>
             <a:pPr lvl="3"/>
@@ -3268,6 +3367,7 @@
               <a:rPr lang="zh-CN" altLang="en-US" dirty="0" smtClean="0"/>
               <a:t>第四级</a:t>
             </a:r>
+            <a:endParaRPr lang="zh-CN" altLang="en-US" dirty="0" smtClean="0"/>
           </a:p>
         </p:txBody>
       </p:sp>
@@ -3325,6 +3425,7 @@
               <a:rPr lang="zh-CN" altLang="en-US" dirty="0" smtClean="0"/>
               <a:t>单击此处编辑母版文本样式</a:t>
             </a:r>
+            <a:endParaRPr lang="zh-CN" altLang="en-US" dirty="0" smtClean="0"/>
           </a:p>
         </p:txBody>
       </p:sp>
@@ -3406,6 +3507,7 @@
               <a:rPr lang="zh-CN" altLang="en-US" dirty="0" smtClean="0"/>
               <a:t>单击此处编辑母版文本样式</a:t>
             </a:r>
+            <a:endParaRPr lang="zh-CN" altLang="en-US" dirty="0" smtClean="0"/>
           </a:p>
           <a:p>
             <a:pPr lvl="1"/>
@@ -3413,6 +3515,7 @@
               <a:rPr lang="zh-CN" altLang="en-US" dirty="0" smtClean="0"/>
               <a:t>第二级</a:t>
             </a:r>
+            <a:endParaRPr lang="zh-CN" altLang="en-US" dirty="0" smtClean="0"/>
           </a:p>
           <a:p>
             <a:pPr lvl="2"/>
@@ -3420,6 +3523,7 @@
               <a:rPr lang="zh-CN" altLang="en-US" dirty="0" smtClean="0"/>
               <a:t>第三级</a:t>
             </a:r>
+            <a:endParaRPr lang="zh-CN" altLang="en-US" dirty="0" smtClean="0"/>
           </a:p>
           <a:p>
             <a:pPr lvl="3"/>
@@ -3427,6 +3531,7 @@
               <a:rPr lang="zh-CN" altLang="en-US" dirty="0" smtClean="0"/>
               <a:t>第四级</a:t>
             </a:r>
+            <a:endParaRPr lang="zh-CN" altLang="en-US" dirty="0" smtClean="0"/>
           </a:p>
         </p:txBody>
       </p:sp>
@@ -3484,6 +3589,7 @@
               <a:rPr lang="zh-CN" altLang="en-US" dirty="0" smtClean="0"/>
               <a:t>单击此处编辑母版文本样式</a:t>
             </a:r>
+            <a:endParaRPr lang="zh-CN" altLang="en-US" dirty="0" smtClean="0"/>
           </a:p>
         </p:txBody>
       </p:sp>
@@ -3577,6 +3683,7 @@
               <a:rPr lang="zh-CN" altLang="en-US" dirty="0" smtClean="0"/>
               <a:t>单击此处编辑母版文本样式</a:t>
             </a:r>
+            <a:endParaRPr lang="zh-CN" altLang="en-US" dirty="0" smtClean="0"/>
           </a:p>
           <a:p>
             <a:pPr lvl="1"/>
@@ -3584,6 +3691,7 @@
               <a:rPr lang="zh-CN" altLang="en-US" dirty="0" smtClean="0"/>
               <a:t>第二级</a:t>
             </a:r>
+            <a:endParaRPr lang="zh-CN" altLang="en-US" dirty="0" smtClean="0"/>
           </a:p>
           <a:p>
             <a:pPr lvl="2"/>
@@ -3591,6 +3699,7 @@
               <a:rPr lang="zh-CN" altLang="en-US" dirty="0" smtClean="0"/>
               <a:t>第三级</a:t>
             </a:r>
+            <a:endParaRPr lang="zh-CN" altLang="en-US" dirty="0" smtClean="0"/>
           </a:p>
           <a:p>
             <a:pPr lvl="3"/>
@@ -3598,6 +3707,7 @@
               <a:rPr lang="zh-CN" altLang="en-US" dirty="0" smtClean="0"/>
               <a:t>第四级</a:t>
             </a:r>
+            <a:endParaRPr lang="zh-CN" altLang="en-US" dirty="0" smtClean="0"/>
           </a:p>
         </p:txBody>
       </p:sp>
@@ -3659,6 +3769,7 @@
               <a:rPr lang="zh-CN" altLang="en-US" dirty="0" smtClean="0"/>
               <a:t>单击此处编辑母版文本样式</a:t>
             </a:r>
+            <a:endParaRPr lang="zh-CN" altLang="en-US" dirty="0" smtClean="0"/>
           </a:p>
         </p:txBody>
       </p:sp>
@@ -3683,7 +3794,7 @@
     <p:bg bwMode="auto">
       <p:bgPr>
         <a:blipFill dpi="0" rotWithShape="0">
-          <a:blip r:embed="rId10"/>
+          <a:blip r:embed="rId9"/>
           <a:srcRect/>
           <a:stretch>
             <a:fillRect/>
@@ -3742,7 +3853,6 @@
           <a:p>
             <a:fld id="{43A45880-9E2A-43E4-955C-AEB11E14255E}" type="slidenum">
               <a:rPr lang="en-US" altLang="zh-CN"/>
-              <a:t>‹#›</a:t>
             </a:fld>
             <a:endParaRPr lang="zh-CN" altLang="zh-CN"/>
           </a:p>
@@ -3757,7 +3867,7 @@
           <p:nvPr/>
         </p:nvPicPr>
         <p:blipFill>
-          <a:blip r:embed="rId11">
+          <a:blip r:embed="rId10">
             <a:extLst>
               <a:ext uri="{28A0092B-C50C-407E-A947-70E740481C1C}">
                 <a14:useLocalDpi xmlns:a14="http://schemas.microsoft.com/office/drawing/2010/main" val="0"/>
@@ -3811,7 +3921,7 @@
           <p:nvPr/>
         </p:nvPicPr>
         <p:blipFill>
-          <a:blip r:embed="rId12">
+          <a:blip r:embed="rId11">
             <a:extLst>
               <a:ext uri="{28A0092B-C50C-407E-A947-70E740481C1C}">
                 <a14:useLocalDpi xmlns:a14="http://schemas.microsoft.com/office/drawing/2010/main" val="0"/>
@@ -3863,11 +3973,11 @@
     <p:sldLayoutId id="2147483649" r:id="rId1"/>
     <p:sldLayoutId id="2147483650" r:id="rId2"/>
     <p:sldLayoutId id="2147483651" r:id="rId3"/>
-    <p:sldLayoutId id="2147483653" r:id="rId4"/>
-    <p:sldLayoutId id="2147483654" r:id="rId5"/>
-    <p:sldLayoutId id="2147483655" r:id="rId6"/>
-    <p:sldLayoutId id="2147483656" r:id="rId7"/>
-    <p:sldLayoutId id="2147483657" r:id="rId8"/>
+    <p:sldLayoutId id="2147483652" r:id="rId4"/>
+    <p:sldLayoutId id="2147483653" r:id="rId5"/>
+    <p:sldLayoutId id="2147483654" r:id="rId6"/>
+    <p:sldLayoutId id="2147483655" r:id="rId7"/>
+    <p:sldLayoutId id="2147483656" r:id="rId8"/>
   </p:sldLayoutIdLst>
   <p:timing>
     <p:tnLst>
@@ -4323,7 +4433,7 @@
           <p:nvPr/>
         </p:nvPicPr>
         <p:blipFill>
-          <a:blip r:embed="rId2">
+          <a:blip r:embed="rId1">
             <a:extLst>
               <a:ext uri="{28A0092B-C50C-407E-A947-70E740481C1C}">
                 <a14:useLocalDpi xmlns:a14="http://schemas.microsoft.com/office/drawing/2010/main" val="0"/>
@@ -4617,7 +4727,7 @@
           <p:nvPr/>
         </p:nvPicPr>
         <p:blipFill>
-          <a:blip r:embed="rId3">
+          <a:blip r:embed="rId2">
             <a:extLst>
               <a:ext uri="{28A0092B-C50C-407E-A947-70E740481C1C}">
                 <a14:useLocalDpi xmlns:a14="http://schemas.microsoft.com/office/drawing/2010/main" val="0"/>
@@ -4749,15 +4859,6 @@
               </a:rPr>
               <a:t>基于构造函数创建的对象，它的原型是谁呢？</a:t>
             </a:r>
-            <a:r>
-              <a:rPr kumimoji="0" lang="en-US" altLang="zh-CN" sz="2000" dirty="0" smtClean="0">
-                <a:solidFill>
-                  <a:schemeClr val="tx1"/>
-                </a:solidFill>
-                <a:sym typeface="+mn-ea"/>
-              </a:rPr>
-              <a:t/>
-            </a:r>
             <a:br>
               <a:rPr kumimoji="0" lang="en-US" altLang="zh-CN" sz="2000" dirty="0" smtClean="0">
                 <a:solidFill>
@@ -4936,15 +5037,6 @@
               </a:rPr>
               <a:t>对象通过它实现属性继承</a:t>
             </a:r>
-            <a:r>
-              <a:rPr kumimoji="0" lang="zh-CN" altLang="en-US" sz="2000" dirty="0" smtClean="0">
-                <a:solidFill>
-                  <a:schemeClr val="tx1"/>
-                </a:solidFill>
-                <a:sym typeface="+mn-ea"/>
-              </a:rPr>
-              <a:t/>
-            </a:r>
             <a:br>
               <a:rPr kumimoji="0" lang="zh-CN" altLang="en-US" sz="2000" dirty="0" smtClean="0">
                 <a:solidFill>
@@ -4953,14 +5045,6 @@
                 <a:sym typeface="+mn-ea"/>
               </a:rPr>
             </a:br>
-            <a:r>
-              <a:rPr kumimoji="0" lang="zh-CN" altLang="en-US" sz="2000" dirty="0" smtClean="0">
-                <a:solidFill>
-                  <a:schemeClr val="tx1"/>
-                </a:solidFill>
-              </a:rPr>
-              <a:t/>
-            </a:r>
             <a:br>
               <a:rPr kumimoji="0" lang="zh-CN" altLang="en-US" sz="2000" dirty="0" smtClean="0">
                 <a:solidFill>
@@ -4968,14 +5052,6 @@
                 </a:solidFill>
               </a:rPr>
             </a:br>
-            <a:r>
-              <a:rPr kumimoji="0" lang="zh-CN" altLang="en-US" sz="2000" dirty="0" smtClean="0">
-                <a:solidFill>
-                  <a:schemeClr val="tx1"/>
-                </a:solidFill>
-              </a:rPr>
-              <a:t/>
-            </a:r>
             <a:br>
               <a:rPr kumimoji="0" lang="zh-CN" altLang="en-US" sz="2000" dirty="0" smtClean="0">
                 <a:solidFill>
@@ -4983,14 +5059,6 @@
                 </a:solidFill>
               </a:rPr>
             </a:br>
-            <a:r>
-              <a:rPr kumimoji="0" lang="zh-CN" altLang="en-US" sz="2000" dirty="0" smtClean="0">
-                <a:solidFill>
-                  <a:schemeClr val="tx1"/>
-                </a:solidFill>
-              </a:rPr>
-              <a:t/>
-            </a:r>
             <a:br>
               <a:rPr kumimoji="0" lang="zh-CN" altLang="en-US" sz="2000" dirty="0" smtClean="0">
                 <a:solidFill>
@@ -4998,14 +5066,6 @@
                 </a:solidFill>
               </a:rPr>
             </a:br>
-            <a:r>
-              <a:rPr kumimoji="0" lang="zh-CN" altLang="en-US" sz="2000" dirty="0" smtClean="0">
-                <a:solidFill>
-                  <a:schemeClr val="tx1"/>
-                </a:solidFill>
-              </a:rPr>
-              <a:t/>
-            </a:r>
             <a:br>
               <a:rPr kumimoji="0" lang="zh-CN" altLang="en-US" sz="2000" dirty="0" smtClean="0">
                 <a:solidFill>
@@ -5013,14 +5073,6 @@
                 </a:solidFill>
               </a:rPr>
             </a:br>
-            <a:r>
-              <a:rPr kumimoji="0" lang="zh-CN" altLang="en-US" sz="2000" dirty="0" smtClean="0">
-                <a:solidFill>
-                  <a:schemeClr val="tx1"/>
-                </a:solidFill>
-              </a:rPr>
-              <a:t/>
-            </a:r>
             <a:br>
               <a:rPr kumimoji="0" lang="zh-CN" altLang="en-US" sz="2000" dirty="0" smtClean="0">
                 <a:solidFill>
@@ -5028,14 +5080,6 @@
                 </a:solidFill>
               </a:rPr>
             </a:br>
-            <a:r>
-              <a:rPr kumimoji="0" lang="zh-CN" altLang="en-US" sz="2000" dirty="0" smtClean="0">
-                <a:solidFill>
-                  <a:schemeClr val="tx1"/>
-                </a:solidFill>
-              </a:rPr>
-              <a:t/>
-            </a:r>
             <a:br>
               <a:rPr kumimoji="0" lang="zh-CN" altLang="en-US" sz="2000" dirty="0" smtClean="0">
                 <a:solidFill>
@@ -5043,14 +5087,6 @@
                 </a:solidFill>
               </a:rPr>
             </a:br>
-            <a:r>
-              <a:rPr kumimoji="0" lang="zh-CN" altLang="en-US" sz="2000" dirty="0" smtClean="0">
-                <a:solidFill>
-                  <a:schemeClr val="tx1"/>
-                </a:solidFill>
-              </a:rPr>
-              <a:t/>
-            </a:r>
             <a:br>
               <a:rPr kumimoji="0" lang="zh-CN" altLang="en-US" sz="2000" dirty="0" smtClean="0">
                 <a:solidFill>
@@ -5058,14 +5094,6 @@
                 </a:solidFill>
               </a:rPr>
             </a:br>
-            <a:r>
-              <a:rPr kumimoji="0" lang="zh-CN" altLang="en-US" sz="2000" dirty="0" smtClean="0">
-                <a:solidFill>
-                  <a:schemeClr val="tx1"/>
-                </a:solidFill>
-              </a:rPr>
-              <a:t/>
-            </a:r>
             <a:br>
               <a:rPr kumimoji="0" lang="zh-CN" altLang="en-US" sz="2000" dirty="0" smtClean="0">
                 <a:solidFill>
@@ -5144,7 +5172,7 @@
           <p:nvPr/>
         </p:nvPicPr>
         <p:blipFill>
-          <a:blip r:embed="rId3"/>
+          <a:blip r:embed="rId1"/>
           <a:stretch>
             <a:fillRect/>
           </a:stretch>
@@ -5168,7 +5196,7 @@
           <p:nvPr/>
         </p:nvPicPr>
         <p:blipFill>
-          <a:blip r:embed="rId4"/>
+          <a:blip r:embed="rId2"/>
           <a:srcRect b="37109"/>
           <a:stretch>
             <a:fillRect/>
@@ -5821,7 +5849,7 @@
                 </a:solidFill>
                 <a:sym typeface="+mn-ea"/>
               </a:rPr>
-              <a:t>通过实例化出来的对象的</a:t>
+              <a:t>可通过实例化出来的对象的</a:t>
             </a:r>
             <a:r>
               <a:rPr kumimoji="0" lang="en-US" altLang="zh-CN" sz="3200" dirty="0" smtClean="0">
@@ -5839,7 +5867,7 @@
                 </a:solidFill>
                 <a:sym typeface="+mn-ea"/>
               </a:rPr>
-              <a:t>属性来确认下原型</a:t>
+              <a:t>属性来确认原型</a:t>
             </a:r>
             <a:br>
               <a:rPr kumimoji="0" lang="zh-CN" altLang="en-US" sz="3200" dirty="0" smtClean="0">
@@ -5885,15 +5913,6 @@
               </a:rPr>
               <a:t>指向原型</a:t>
             </a:r>
-            <a:r>
-              <a:rPr kumimoji="0" lang="zh-CN" altLang="en-US" sz="3200" dirty="0" smtClean="0">
-                <a:solidFill>
-                  <a:schemeClr val="tx1"/>
-                </a:solidFill>
-                <a:sym typeface="+mn-ea"/>
-              </a:rPr>
-              <a:t/>
-            </a:r>
             <a:br>
               <a:rPr kumimoji="0" lang="zh-CN" altLang="en-US" sz="3200" dirty="0" smtClean="0">
                 <a:solidFill>
@@ -5973,15 +5992,6 @@
                 <a:sym typeface="+mn-ea"/>
               </a:rPr>
             </a:br>
-            <a:r>
-              <a:rPr kumimoji="0" lang="en-US" altLang="zh-CN" sz="2000" dirty="0" smtClean="0">
-                <a:solidFill>
-                  <a:schemeClr val="tx1"/>
-                </a:solidFill>
-                <a:sym typeface="+mn-ea"/>
-              </a:rPr>
-              <a:t/>
-            </a:r>
             <a:br>
               <a:rPr kumimoji="0" lang="en-US" altLang="zh-CN" sz="2000" dirty="0" smtClean="0">
                 <a:solidFill>
@@ -5990,15 +6000,6 @@
                 <a:sym typeface="+mn-ea"/>
               </a:rPr>
             </a:br>
-            <a:r>
-              <a:rPr kumimoji="0" lang="zh-CN" altLang="en-US" sz="2000" dirty="0" smtClean="0">
-                <a:solidFill>
-                  <a:schemeClr val="tx1"/>
-                </a:solidFill>
-                <a:sym typeface="+mn-ea"/>
-              </a:rPr>
-              <a:t/>
-            </a:r>
             <a:br>
               <a:rPr kumimoji="0" lang="zh-CN" altLang="en-US" sz="2000" dirty="0" smtClean="0">
                 <a:solidFill>
@@ -6007,14 +6008,6 @@
                 <a:sym typeface="+mn-ea"/>
               </a:rPr>
             </a:br>
-            <a:r>
-              <a:rPr kumimoji="0" lang="zh-CN" altLang="en-US" sz="2000" dirty="0" smtClean="0">
-                <a:solidFill>
-                  <a:schemeClr val="tx1"/>
-                </a:solidFill>
-              </a:rPr>
-              <a:t/>
-            </a:r>
             <a:br>
               <a:rPr kumimoji="0" lang="zh-CN" altLang="en-US" sz="2000" dirty="0" smtClean="0">
                 <a:solidFill>
@@ -6022,14 +6015,6 @@
                 </a:solidFill>
               </a:rPr>
             </a:br>
-            <a:r>
-              <a:rPr kumimoji="0" lang="zh-CN" altLang="en-US" sz="2000" dirty="0" smtClean="0">
-                <a:solidFill>
-                  <a:schemeClr val="tx1"/>
-                </a:solidFill>
-              </a:rPr>
-              <a:t/>
-            </a:r>
             <a:br>
               <a:rPr kumimoji="0" lang="zh-CN" altLang="en-US" sz="2000" dirty="0" smtClean="0">
                 <a:solidFill>
@@ -6037,14 +6022,6 @@
                 </a:solidFill>
               </a:rPr>
             </a:br>
-            <a:r>
-              <a:rPr kumimoji="0" lang="zh-CN" altLang="en-US" sz="2000" dirty="0" smtClean="0">
-                <a:solidFill>
-                  <a:schemeClr val="tx1"/>
-                </a:solidFill>
-              </a:rPr>
-              <a:t/>
-            </a:r>
             <a:br>
               <a:rPr kumimoji="0" lang="zh-CN" altLang="en-US" sz="2000" dirty="0" smtClean="0">
                 <a:solidFill>
@@ -6052,14 +6029,6 @@
                 </a:solidFill>
               </a:rPr>
             </a:br>
-            <a:r>
-              <a:rPr kumimoji="0" lang="zh-CN" altLang="en-US" sz="2000" dirty="0" smtClean="0">
-                <a:solidFill>
-                  <a:schemeClr val="tx1"/>
-                </a:solidFill>
-              </a:rPr>
-              <a:t/>
-            </a:r>
             <a:br>
               <a:rPr kumimoji="0" lang="zh-CN" altLang="en-US" sz="2000" dirty="0" smtClean="0">
                 <a:solidFill>
@@ -6067,14 +6036,6 @@
                 </a:solidFill>
               </a:rPr>
             </a:br>
-            <a:r>
-              <a:rPr kumimoji="0" lang="zh-CN" altLang="en-US" sz="2000" dirty="0" smtClean="0">
-                <a:solidFill>
-                  <a:schemeClr val="tx1"/>
-                </a:solidFill>
-              </a:rPr>
-              <a:t/>
-            </a:r>
             <a:br>
               <a:rPr kumimoji="0" lang="zh-CN" altLang="en-US" sz="2000" dirty="0" smtClean="0">
                 <a:solidFill>
@@ -6082,14 +6043,6 @@
                 </a:solidFill>
               </a:rPr>
             </a:br>
-            <a:r>
-              <a:rPr kumimoji="0" lang="zh-CN" altLang="en-US" sz="2000" dirty="0" smtClean="0">
-                <a:solidFill>
-                  <a:schemeClr val="tx1"/>
-                </a:solidFill>
-              </a:rPr>
-              <a:t/>
-            </a:r>
             <a:br>
               <a:rPr kumimoji="0" lang="zh-CN" altLang="en-US" sz="2000" dirty="0" smtClean="0">
                 <a:solidFill>
@@ -6097,14 +6050,6 @@
                 </a:solidFill>
               </a:rPr>
             </a:br>
-            <a:r>
-              <a:rPr kumimoji="0" lang="zh-CN" altLang="en-US" sz="2000" dirty="0" smtClean="0">
-                <a:solidFill>
-                  <a:schemeClr val="tx1"/>
-                </a:solidFill>
-              </a:rPr>
-              <a:t/>
-            </a:r>
             <a:br>
               <a:rPr kumimoji="0" lang="zh-CN" altLang="en-US" sz="2000" dirty="0" smtClean="0">
                 <a:solidFill>
@@ -6112,14 +6057,6 @@
                 </a:solidFill>
               </a:rPr>
             </a:br>
-            <a:r>
-              <a:rPr kumimoji="0" lang="zh-CN" altLang="en-US" sz="2000" dirty="0" smtClean="0">
-                <a:solidFill>
-                  <a:schemeClr val="tx1"/>
-                </a:solidFill>
-              </a:rPr>
-              <a:t/>
-            </a:r>
             <a:br>
               <a:rPr kumimoji="0" lang="zh-CN" altLang="en-US" sz="2000" dirty="0" smtClean="0">
                 <a:solidFill>
@@ -6191,6 +6128,9 @@
               </a:rPr>
               <a:t>原型链</a:t>
             </a:r>
+            <a:endParaRPr kumimoji="0" lang="zh-CN" altLang="en-US" dirty="0">
+              <a:sym typeface="+mn-ea"/>
+            </a:endParaRPr>
           </a:p>
         </p:txBody>
       </p:sp>
@@ -6203,14 +6143,14 @@
           <p:nvPr/>
         </p:nvPicPr>
         <p:blipFill>
-          <a:blip r:embed="rId3"/>
+          <a:blip r:embed="rId1"/>
           <a:stretch>
             <a:fillRect/>
           </a:stretch>
         </p:blipFill>
         <p:spPr>
           <a:xfrm>
-            <a:off x="1109980" y="2531745"/>
+            <a:off x="1109980" y="2603500"/>
             <a:ext cx="9971405" cy="3085465"/>
           </a:xfrm>
           <a:prstGeom prst="rect">
@@ -6226,8 +6166,8 @@
         </p:nvSpPr>
         <p:spPr>
           <a:xfrm>
-            <a:off x="4817110" y="2505710"/>
-            <a:ext cx="7332980" cy="1322070"/>
+            <a:off x="4817110" y="2433955"/>
+            <a:ext cx="7332980" cy="1553210"/>
           </a:xfrm>
           <a:prstGeom prst="rect">
             <a:avLst/>
@@ -6242,7 +6182,7 @@
           <a:p>
             <a:pPr algn="l"/>
             <a:r>
-              <a:rPr lang="zh-CN" altLang="en-US" sz="2000">
+              <a:rPr lang="zh-CN" altLang="en-US" sz="1900">
                 <a:solidFill>
                   <a:srgbClr val="FF0000"/>
                 </a:solidFill>
@@ -6252,7 +6192,7 @@
               <a:t>思考：</a:t>
             </a:r>
             <a:r>
-              <a:rPr lang="en-US" sz="2000">
+              <a:rPr lang="en-US" sz="1900">
                 <a:solidFill>
                   <a:schemeClr val="tx1"/>
                 </a:solidFill>
@@ -6262,7 +6202,7 @@
               <a:t>name</a:t>
             </a:r>
             <a:r>
-              <a:rPr lang="zh-CN" altLang="en-US" sz="2000">
+              <a:rPr lang="zh-CN" altLang="en-US" sz="1900">
                 <a:solidFill>
                   <a:schemeClr val="tx1"/>
                 </a:solidFill>
@@ -6272,7 +6212,7 @@
               <a:t>属性是添加到</a:t>
             </a:r>
             <a:r>
-              <a:rPr lang="en-US" altLang="zh-CN" sz="2000">
+              <a:rPr lang="en-US" altLang="zh-CN" sz="1900">
                 <a:solidFill>
                   <a:schemeClr val="tx1"/>
                 </a:solidFill>
@@ -6282,7 +6222,7 @@
               <a:t>Person.prototype</a:t>
             </a:r>
             <a:r>
-              <a:rPr lang="zh-CN" altLang="en-US" sz="2000">
+              <a:rPr lang="zh-CN" altLang="en-US" sz="1900">
                 <a:solidFill>
                   <a:schemeClr val="tx1"/>
                 </a:solidFill>
@@ -6292,7 +6232,7 @@
               <a:t>上了，还是添加到</a:t>
             </a:r>
             <a:r>
-              <a:rPr lang="en-US" altLang="zh-CN" sz="2000">
+              <a:rPr lang="en-US" altLang="zh-CN" sz="1900">
                 <a:solidFill>
                   <a:schemeClr val="tx1"/>
                 </a:solidFill>
@@ -6302,7 +6242,7 @@
               <a:t>p1</a:t>
             </a:r>
             <a:r>
-              <a:rPr lang="zh-CN" altLang="en-US" sz="2000">
+              <a:rPr lang="zh-CN" altLang="en-US" sz="1900">
                 <a:solidFill>
                   <a:schemeClr val="tx1"/>
                 </a:solidFill>
@@ -6311,89 +6251,111 @@
               </a:rPr>
               <a:t>上了？</a:t>
             </a:r>
+            <a:endParaRPr lang="zh-CN" altLang="en-US" sz="1900">
+              <a:solidFill>
+                <a:schemeClr val="tx1"/>
+              </a:solidFill>
+              <a:latin typeface="+mn-ea"/>
+              <a:ea typeface="+mn-ea"/>
+            </a:endParaRPr>
           </a:p>
           <a:p>
             <a:pPr algn="l"/>
             <a:r>
-              <a:rPr lang="zh-CN" altLang="en-US" sz="2000">
+              <a:rPr lang="zh-CN" altLang="en-US" sz="1900">
                 <a:solidFill>
                   <a:srgbClr val="FF0000"/>
                 </a:solidFill>
                 <a:latin typeface="+mn-ea"/>
                 <a:ea typeface="+mn-ea"/>
               </a:rPr>
-              <a:t>不存在私有属性时：可</a:t>
-            </a:r>
-            <a:r>
-              <a:rPr lang="zh-CN" altLang="en-US" sz="2000">
-                <a:solidFill>
-                  <a:schemeClr val="tx1"/>
-                </a:solidFill>
+              <a:t>分析：</a:t>
+            </a:r>
+            <a:r>
+              <a:rPr lang="zh-CN" altLang="en-US" sz="1900">
                 <a:latin typeface="+mn-ea"/>
                 <a:ea typeface="+mn-ea"/>
-              </a:rPr>
-              <a:t>将</a:t>
-            </a:r>
-            <a:r>
-              <a:rPr lang="zh-CN" altLang="en-US" sz="2000">
-                <a:solidFill>
-                  <a:schemeClr val="accent3"/>
+                <a:sym typeface="+mn-ea"/>
+              </a:rPr>
+              <a:t>属性和方法</a:t>
+            </a:r>
+            <a:r>
+              <a:rPr lang="zh-CN" altLang="en-US" sz="1900">
+                <a:solidFill>
+                  <a:schemeClr val="tx1"/>
                 </a:solidFill>
                 <a:latin typeface="+mn-ea"/>
                 <a:ea typeface="+mn-ea"/>
               </a:rPr>
-              <a:t>属性</a:t>
-            </a:r>
-            <a:r>
-              <a:rPr lang="zh-CN" altLang="en-US" sz="2000">
+              <a:t>定义在构造函数中和写在</a:t>
+            </a:r>
+            <a:r>
+              <a:rPr lang="en-US" altLang="zh-CN" sz="1900">
                 <a:solidFill>
                   <a:schemeClr val="tx1"/>
                 </a:solidFill>
                 <a:latin typeface="+mn-ea"/>
                 <a:ea typeface="+mn-ea"/>
               </a:rPr>
-              <a:t>写在构造函数中，将</a:t>
-            </a:r>
-            <a:r>
-              <a:rPr lang="zh-CN" altLang="en-US" sz="2000">
-                <a:solidFill>
-                  <a:schemeClr val="accent3"/>
+              <a:t>prototype</a:t>
+            </a:r>
+            <a:r>
+              <a:rPr lang="zh-CN" altLang="en-US" sz="1900">
+                <a:solidFill>
+                  <a:schemeClr val="tx1"/>
                 </a:solidFill>
                 <a:latin typeface="+mn-ea"/>
                 <a:ea typeface="+mn-ea"/>
               </a:rPr>
-              <a:t>方法</a:t>
-            </a:r>
-            <a:r>
-              <a:rPr lang="zh-CN" altLang="en-US" sz="2000">
-                <a:solidFill>
-                  <a:schemeClr val="tx1"/>
+              <a:t>上这两种情况有什么不同（没有私有属性时，常将</a:t>
+            </a:r>
+            <a:r>
+              <a:rPr lang="zh-CN" altLang="en-US" sz="1900">
+                <a:solidFill>
+                  <a:schemeClr val="accent3"/>
                 </a:solidFill>
                 <a:latin typeface="+mn-ea"/>
                 <a:ea typeface="+mn-ea"/>
               </a:rPr>
-              <a:t>添加到构造函数的</a:t>
-            </a:r>
-            <a:r>
-              <a:rPr lang="en-US" altLang="zh-CN" sz="2000">
+              <a:t>方法</a:t>
+            </a:r>
+            <a:r>
+              <a:rPr lang="zh-CN" altLang="en-US" sz="1900">
                 <a:solidFill>
                   <a:schemeClr val="tx1"/>
                 </a:solidFill>
                 <a:latin typeface="+mn-ea"/>
                 <a:ea typeface="+mn-ea"/>
               </a:rPr>
-              <a:t>prototype</a:t>
-            </a:r>
-            <a:r>
-              <a:rPr lang="zh-CN" altLang="en-US" sz="2000">
+              <a:t>添加到构造函数的</a:t>
+            </a:r>
+            <a:r>
+              <a:rPr lang="en-US" altLang="zh-CN" sz="1900">
                 <a:solidFill>
                   <a:schemeClr val="tx1"/>
                 </a:solidFill>
                 <a:latin typeface="+mn-ea"/>
                 <a:ea typeface="+mn-ea"/>
               </a:rPr>
-              <a:t>属性上，实现方法共享</a:t>
-            </a:r>
+              <a:t>prototype</a:t>
+            </a:r>
+            <a:r>
+              <a:rPr lang="zh-CN" altLang="en-US" sz="1900">
+                <a:solidFill>
+                  <a:schemeClr val="tx1"/>
+                </a:solidFill>
+                <a:latin typeface="+mn-ea"/>
+                <a:ea typeface="+mn-ea"/>
+              </a:rPr>
+              <a:t>属性上，实现方法共享，而属性根据情况来确定）</a:t>
+            </a:r>
+            <a:endParaRPr lang="zh-CN" altLang="en-US" sz="1900">
+              <a:solidFill>
+                <a:schemeClr val="tx1"/>
+              </a:solidFill>
+              <a:latin typeface="+mn-ea"/>
+              <a:ea typeface="+mn-ea"/>
+            </a:endParaRPr>
           </a:p>
         </p:txBody>
       </p:sp>
@@ -6450,6 +6412,13 @@
               </a:rPr>
               <a:t>构造函数与原型</a:t>
             </a:r>
+            <a:endParaRPr lang="zh-CN" altLang="en-US" sz="2200">
+              <a:solidFill>
+                <a:srgbClr val="FF0000"/>
+              </a:solidFill>
+              <a:latin typeface="+mn-ea"/>
+              <a:ea typeface="+mn-ea"/>
+            </a:endParaRPr>
           </a:p>
         </p:txBody>
       </p:sp>
@@ -6916,14 +6885,6 @@
               </a:lnSpc>
               <a:buNone/>
             </a:pPr>
-            <a:r>
-              <a:rPr kumimoji="0" lang="zh-CN" altLang="en-US" sz="2000" dirty="0" smtClean="0">
-                <a:solidFill>
-                  <a:schemeClr val="tx1"/>
-                </a:solidFill>
-              </a:rPr>
-              <a:t/>
-            </a:r>
             <a:br>
               <a:rPr kumimoji="0" lang="zh-CN" altLang="en-US" sz="2000" dirty="0" smtClean="0">
                 <a:solidFill>
@@ -6931,14 +6892,6 @@
                 </a:solidFill>
               </a:rPr>
             </a:br>
-            <a:r>
-              <a:rPr kumimoji="0" lang="zh-CN" altLang="en-US" sz="2000" dirty="0" smtClean="0">
-                <a:solidFill>
-                  <a:schemeClr val="tx1"/>
-                </a:solidFill>
-              </a:rPr>
-              <a:t/>
-            </a:r>
             <a:br>
               <a:rPr kumimoji="0" lang="zh-CN" altLang="en-US" sz="2000" dirty="0" smtClean="0">
                 <a:solidFill>
@@ -6946,14 +6899,6 @@
                 </a:solidFill>
               </a:rPr>
             </a:br>
-            <a:r>
-              <a:rPr kumimoji="0" lang="zh-CN" altLang="en-US" sz="2000" dirty="0" smtClean="0">
-                <a:solidFill>
-                  <a:schemeClr val="tx1"/>
-                </a:solidFill>
-              </a:rPr>
-              <a:t/>
-            </a:r>
             <a:br>
               <a:rPr kumimoji="0" lang="zh-CN" altLang="en-US" sz="2000" dirty="0" smtClean="0">
                 <a:solidFill>
@@ -6961,14 +6906,6 @@
                 </a:solidFill>
               </a:rPr>
             </a:br>
-            <a:r>
-              <a:rPr kumimoji="0" lang="zh-CN" altLang="en-US" sz="2000" dirty="0" smtClean="0">
-                <a:solidFill>
-                  <a:schemeClr val="tx1"/>
-                </a:solidFill>
-              </a:rPr>
-              <a:t/>
-            </a:r>
             <a:br>
               <a:rPr kumimoji="0" lang="zh-CN" altLang="en-US" sz="2000" dirty="0" smtClean="0">
                 <a:solidFill>
@@ -6976,14 +6913,6 @@
                 </a:solidFill>
               </a:rPr>
             </a:br>
-            <a:r>
-              <a:rPr kumimoji="0" lang="zh-CN" altLang="en-US" sz="2000" dirty="0" smtClean="0">
-                <a:solidFill>
-                  <a:schemeClr val="tx1"/>
-                </a:solidFill>
-              </a:rPr>
-              <a:t/>
-            </a:r>
             <a:br>
               <a:rPr kumimoji="0" lang="zh-CN" altLang="en-US" sz="2000" dirty="0" smtClean="0">
                 <a:solidFill>
@@ -6991,14 +6920,6 @@
                 </a:solidFill>
               </a:rPr>
             </a:br>
-            <a:r>
-              <a:rPr kumimoji="0" lang="zh-CN" altLang="en-US" sz="2000" dirty="0" smtClean="0">
-                <a:solidFill>
-                  <a:schemeClr val="tx1"/>
-                </a:solidFill>
-              </a:rPr>
-              <a:t/>
-            </a:r>
             <a:br>
               <a:rPr kumimoji="0" lang="zh-CN" altLang="en-US" sz="2000" dirty="0" smtClean="0">
                 <a:solidFill>
@@ -7006,14 +6927,6 @@
                 </a:solidFill>
               </a:rPr>
             </a:br>
-            <a:r>
-              <a:rPr kumimoji="0" lang="zh-CN" altLang="en-US" sz="2000" dirty="0" smtClean="0">
-                <a:solidFill>
-                  <a:schemeClr val="tx1"/>
-                </a:solidFill>
-              </a:rPr>
-              <a:t/>
-            </a:r>
             <a:br>
               <a:rPr kumimoji="0" lang="zh-CN" altLang="en-US" sz="2000" dirty="0" smtClean="0">
                 <a:solidFill>
@@ -7021,14 +6934,6 @@
                 </a:solidFill>
               </a:rPr>
             </a:br>
-            <a:r>
-              <a:rPr kumimoji="0" lang="zh-CN" altLang="en-US" sz="2000" dirty="0" smtClean="0">
-                <a:solidFill>
-                  <a:schemeClr val="tx1"/>
-                </a:solidFill>
-              </a:rPr>
-              <a:t/>
-            </a:r>
             <a:br>
               <a:rPr kumimoji="0" lang="zh-CN" altLang="en-US" sz="2000" dirty="0" smtClean="0">
                 <a:solidFill>
@@ -7100,6 +7005,9 @@
               </a:rPr>
               <a:t>以及原型链的图解</a:t>
             </a:r>
+            <a:endParaRPr kumimoji="0" lang="zh-CN" altLang="en-US" dirty="0">
+              <a:sym typeface="+mn-ea"/>
+            </a:endParaRPr>
           </a:p>
         </p:txBody>
       </p:sp>
@@ -7112,7 +7020,7 @@
           <p:nvPr/>
         </p:nvPicPr>
         <p:blipFill>
-          <a:blip r:embed="rId3"/>
+          <a:blip r:embed="rId1"/>
           <a:stretch>
             <a:fillRect/>
           </a:stretch>
@@ -7180,6 +7088,13 @@
               </a:rPr>
               <a:t>得到的是什么？</a:t>
             </a:r>
+            <a:endParaRPr lang="zh-CN" altLang="en-US" sz="2200">
+              <a:solidFill>
+                <a:srgbClr val="FF0000"/>
+              </a:solidFill>
+              <a:latin typeface="+mn-ea"/>
+              <a:ea typeface="+mn-ea"/>
+            </a:endParaRPr>
           </a:p>
         </p:txBody>
       </p:sp>
@@ -7387,6 +7302,7 @@
                 <a:rPr sz="2400"/>
                 <a:t>obj</a:t>
               </a:r>
+              <a:endParaRPr sz="2400"/>
             </a:p>
           </p:txBody>
         </p:sp>
@@ -7495,7 +7411,7 @@
             <p:nvPr/>
           </p:nvPicPr>
           <p:blipFill>
-            <a:blip r:embed="rId3"/>
+            <a:blip r:embed="rId1"/>
             <a:stretch>
               <a:fillRect/>
             </a:stretch>
@@ -7524,7 +7440,7 @@
             <p:nvPr/>
           </p:nvPicPr>
           <p:blipFill>
-            <a:blip r:embed="rId4"/>
+            <a:blip r:embed="rId2"/>
             <a:stretch>
               <a:fillRect/>
             </a:stretch>
@@ -7667,6 +7583,11 @@
                 </a:rPr>
                 <a:t>[[proto]]</a:t>
               </a:r>
+              <a:endParaRPr b="1">
+                <a:solidFill>
+                  <a:srgbClr val="9A403E"/>
+                </a:solidFill>
+              </a:endParaRPr>
             </a:p>
           </p:txBody>
         </p:sp>
@@ -7761,6 +7682,7 @@
               <a:rPr sz="1900"/>
               <a:t>Object.prototype</a:t>
             </a:r>
+            <a:endParaRPr sz="1900"/>
           </a:p>
         </p:txBody>
       </p:sp>
@@ -7849,6 +7771,7 @@
               <a:rPr sz="1900"/>
               <a:t>null</a:t>
             </a:r>
+            <a:endParaRPr sz="1900"/>
           </a:p>
         </p:txBody>
       </p:sp>
@@ -7890,6 +7813,11 @@
               </a:rPr>
               <a:t>function MyObj() { }</a:t>
             </a:r>
+            <a:endParaRPr sz="2250">
+              <a:solidFill>
+                <a:schemeClr val="accent3"/>
+              </a:solidFill>
+            </a:endParaRPr>
           </a:p>
           <a:p>
             <a:pPr lvl="0" algn="l" defTabSz="457200">
@@ -7906,6 +7834,11 @@
               </a:rPr>
               <a:t>MyObj.prototype.z = 3;</a:t>
             </a:r>
+            <a:endParaRPr sz="2250">
+              <a:solidFill>
+                <a:schemeClr val="accent3"/>
+              </a:solidFill>
+            </a:endParaRPr>
           </a:p>
         </p:txBody>
       </p:sp>
@@ -7951,6 +7884,11 @@
               </a:rPr>
               <a:t>//1</a:t>
             </a:r>
+            <a:endParaRPr sz="2250">
+              <a:solidFill>
+                <a:schemeClr val="tx2"/>
+              </a:solidFill>
+            </a:endParaRPr>
           </a:p>
           <a:p>
             <a:pPr lvl="0" algn="l" defTabSz="457200">
@@ -7971,6 +7909,11 @@
               </a:rPr>
               <a:t>//2</a:t>
             </a:r>
+            <a:endParaRPr sz="2250">
+              <a:solidFill>
+                <a:schemeClr val="tx2"/>
+              </a:solidFill>
+            </a:endParaRPr>
           </a:p>
           <a:p>
             <a:pPr lvl="0" algn="l" defTabSz="457200">
@@ -7991,6 +7934,11 @@
               </a:rPr>
               <a:t>//3</a:t>
             </a:r>
+            <a:endParaRPr sz="2250">
+              <a:solidFill>
+                <a:schemeClr val="tx2"/>
+              </a:solidFill>
+            </a:endParaRPr>
           </a:p>
           <a:p>
             <a:pPr lvl="0" algn="l" defTabSz="457200">
@@ -8020,6 +7968,11 @@
               </a:rPr>
               <a:t>//true</a:t>
             </a:r>
+            <a:endParaRPr sz="2250">
+              <a:solidFill>
+                <a:schemeClr val="tx2"/>
+              </a:solidFill>
+            </a:endParaRPr>
           </a:p>
           <a:p>
             <a:pPr lvl="0" algn="l" defTabSz="457200">
@@ -8040,6 +7993,11 @@
               </a:rPr>
               <a:t>//false</a:t>
             </a:r>
+            <a:endParaRPr sz="2250">
+              <a:solidFill>
+                <a:schemeClr val="tx2"/>
+              </a:solidFill>
+            </a:endParaRPr>
           </a:p>
         </p:txBody>
       </p:sp>
@@ -8176,7 +8134,7 @@
               <p:nvPr/>
             </p:nvPicPr>
             <p:blipFill>
-              <a:blip r:embed="rId5"/>
+              <a:blip r:embed="rId3"/>
               <a:stretch>
                 <a:fillRect/>
               </a:stretch>
@@ -8371,6 +8329,11 @@
                   </a:rPr>
                   <a:t>[[proto]]</a:t>
                 </a:r>
+                <a:endParaRPr sz="1100" b="1">
+                  <a:solidFill>
+                    <a:srgbClr val="9A403E"/>
+                  </a:solidFill>
+                </a:endParaRPr>
               </a:p>
             </p:txBody>
           </p:sp>
@@ -8464,6 +8427,11 @@
               </a:rPr>
               <a:t>var obj = new MyObj();</a:t>
             </a:r>
+            <a:endParaRPr sz="2250">
+              <a:solidFill>
+                <a:schemeClr val="accent3"/>
+              </a:solidFill>
+            </a:endParaRPr>
           </a:p>
           <a:p>
             <a:pPr lvl="0" algn="l" defTabSz="457200">
@@ -8476,6 +8444,7 @@
               <a:rPr sz="2250"/>
               <a:t>obj.x = 1;</a:t>
             </a:r>
+            <a:endParaRPr sz="2250"/>
           </a:p>
           <a:p>
             <a:pPr lvl="0" algn="l" defTabSz="457200">
@@ -8488,6 +8457,7 @@
               <a:rPr sz="2250"/>
               <a:t>obj.y = 2;</a:t>
             </a:r>
+            <a:endParaRPr sz="2250"/>
           </a:p>
         </p:txBody>
       </p:sp>
@@ -8523,6 +8493,9 @@
               </a:rPr>
               <a:t>属性操作</a:t>
             </a:r>
+            <a:endParaRPr kumimoji="0" lang="zh-CN" altLang="en-US" dirty="0">
+              <a:sym typeface="+mn-ea"/>
+            </a:endParaRPr>
           </a:p>
         </p:txBody>
       </p:sp>
@@ -8579,6 +8552,13 @@
               </a:rPr>
               <a:t>前半部分 原型链综述</a:t>
             </a:r>
+            <a:endParaRPr lang="zh-CN" altLang="en-US" sz="2200">
+              <a:solidFill>
+                <a:srgbClr val="FF0000"/>
+              </a:solidFill>
+              <a:latin typeface="+mn-ea"/>
+              <a:ea typeface="+mn-ea"/>
+            </a:endParaRPr>
           </a:p>
         </p:txBody>
       </p:sp>
@@ -9439,6 +9419,7 @@
               <a:rPr sz="2400"/>
               <a:t>obj</a:t>
             </a:r>
+            <a:endParaRPr sz="2400"/>
           </a:p>
         </p:txBody>
       </p:sp>
@@ -9543,7 +9524,7 @@
           <p:nvPr/>
         </p:nvPicPr>
         <p:blipFill>
-          <a:blip r:embed="rId3"/>
+          <a:blip r:embed="rId1"/>
           <a:stretch>
             <a:fillRect/>
           </a:stretch>
@@ -9572,7 +9553,7 @@
           <p:nvPr/>
         </p:nvPicPr>
         <p:blipFill>
-          <a:blip r:embed="rId4"/>
+          <a:blip r:embed="rId2"/>
           <a:stretch>
             <a:fillRect/>
           </a:stretch>
@@ -9711,6 +9692,11 @@
               </a:rPr>
               <a:t>[[proto]]</a:t>
             </a:r>
+            <a:endParaRPr b="1">
+              <a:solidFill>
+                <a:srgbClr val="9A403E"/>
+              </a:solidFill>
+            </a:endParaRPr>
           </a:p>
         </p:txBody>
       </p:sp>
@@ -9799,6 +9785,7 @@
               <a:rPr sz="1900"/>
               <a:t>Object.prototype</a:t>
             </a:r>
+            <a:endParaRPr sz="1900"/>
           </a:p>
         </p:txBody>
       </p:sp>
@@ -9887,6 +9874,7 @@
               <a:rPr sz="1900"/>
               <a:t>null</a:t>
             </a:r>
+            <a:endParaRPr sz="1900"/>
           </a:p>
         </p:txBody>
       </p:sp>
@@ -9991,7 +9979,7 @@
           <p:nvPr/>
         </p:nvPicPr>
         <p:blipFill>
-          <a:blip r:embed="rId5"/>
+          <a:blip r:embed="rId3"/>
           <a:stretch>
             <a:fillRect/>
           </a:stretch>
@@ -10177,6 +10165,11 @@
               </a:rPr>
               <a:t>[[proto]]</a:t>
             </a:r>
+            <a:endParaRPr sz="1100" b="1">
+              <a:solidFill>
+                <a:srgbClr val="9A403E"/>
+              </a:solidFill>
+            </a:endParaRPr>
           </a:p>
         </p:txBody>
       </p:sp>
@@ -10270,6 +10263,7 @@
               <a:rPr sz="2250"/>
               <a:t>;</a:t>
             </a:r>
+            <a:endParaRPr sz="2250"/>
           </a:p>
         </p:txBody>
       </p:sp>
@@ -10315,6 +10309,7 @@
               <a:rPr sz="2250"/>
               <a:t>;</a:t>
             </a:r>
+            <a:endParaRPr sz="2250"/>
           </a:p>
           <a:p>
             <a:pPr lvl="0" algn="l" defTabSz="457200">
@@ -10343,6 +10338,11 @@
               </a:rPr>
               <a:t>8</a:t>
             </a:r>
+            <a:endParaRPr lang="en-US" sz="2250">
+              <a:solidFill>
+                <a:schemeClr val="tx2"/>
+              </a:solidFill>
+            </a:endParaRPr>
           </a:p>
         </p:txBody>
       </p:sp>
@@ -10388,6 +10388,11 @@
               </a:rPr>
               <a:t>// true</a:t>
             </a:r>
+            <a:endParaRPr sz="2250">
+              <a:solidFill>
+                <a:schemeClr val="tx2"/>
+              </a:solidFill>
+            </a:endParaRPr>
           </a:p>
           <a:p>
             <a:pPr lvl="0" algn="l" defTabSz="457200">
@@ -10416,6 +10421,11 @@
               </a:rPr>
               <a:t>此时是几？</a:t>
             </a:r>
+            <a:endParaRPr lang="zh-CN" sz="2250">
+              <a:solidFill>
+                <a:schemeClr val="tx2"/>
+              </a:solidFill>
+            </a:endParaRPr>
           </a:p>
         </p:txBody>
       </p:sp>
@@ -10461,6 +10471,11 @@
               </a:rPr>
               <a:t>// true</a:t>
             </a:r>
+            <a:endParaRPr sz="2250">
+              <a:solidFill>
+                <a:schemeClr val="tx2"/>
+              </a:solidFill>
+            </a:endParaRPr>
           </a:p>
           <a:p>
             <a:pPr lvl="0" algn="l" defTabSz="457200">
@@ -10481,6 +10496,11 @@
               </a:rPr>
               <a:t>// still 3!!!</a:t>
             </a:r>
+            <a:endParaRPr sz="2250">
+              <a:solidFill>
+                <a:schemeClr val="tx2"/>
+              </a:solidFill>
+            </a:endParaRPr>
           </a:p>
         </p:txBody>
       </p:sp>
@@ -10491,7 +10511,7 @@
           <p:nvPr/>
         </p:nvPicPr>
         <p:blipFill>
-          <a:blip r:embed="rId6"/>
+          <a:blip r:embed="rId4"/>
           <a:stretch>
             <a:fillRect/>
           </a:stretch>
@@ -10563,6 +10583,11 @@
               </a:rPr>
               <a:t>// true</a:t>
             </a:r>
+            <a:endParaRPr sz="2250">
+              <a:solidFill>
+                <a:schemeClr val="tx2"/>
+              </a:solidFill>
+            </a:endParaRPr>
           </a:p>
           <a:p>
             <a:pPr lvl="0" algn="l" defTabSz="457200">
@@ -10583,6 +10608,11 @@
               </a:rPr>
               <a:t>// 5</a:t>
             </a:r>
+            <a:endParaRPr sz="2250">
+              <a:solidFill>
+                <a:schemeClr val="tx2"/>
+              </a:solidFill>
+            </a:endParaRPr>
           </a:p>
           <a:p>
             <a:pPr lvl="0" algn="l" defTabSz="457200">
@@ -10609,6 +10639,12 @@
               </a:rPr>
               <a:t>.z; // still 3</a:t>
             </a:r>
+            <a:endParaRPr sz="2250">
+              <a:solidFill>
+                <a:schemeClr val="accent3"/>
+              </a:solidFill>
+              <a:sym typeface="+mn-ea"/>
+            </a:endParaRPr>
           </a:p>
         </p:txBody>
       </p:sp>
@@ -10619,7 +10655,7 @@
           <p:nvPr/>
         </p:nvPicPr>
         <p:blipFill>
-          <a:blip r:embed="rId7"/>
+          <a:blip r:embed="rId5"/>
           <a:srcRect/>
           <a:stretch>
             <a:fillRect/>
@@ -10739,6 +10775,13 @@
               </a:rPr>
               <a:t>后半部分 属性相关操作</a:t>
             </a:r>
+            <a:endParaRPr lang="zh-CN" altLang="en-US" sz="2200">
+              <a:solidFill>
+                <a:srgbClr val="FF0000"/>
+              </a:solidFill>
+              <a:latin typeface="+mn-ea"/>
+              <a:ea typeface="+mn-ea"/>
+            </a:endParaRPr>
           </a:p>
         </p:txBody>
       </p:sp>
@@ -10864,9 +10907,6 @@
                                   <p:stCondLst>
                                     <p:cond delay="0"/>
                                   </p:stCondLst>
-                                  <p:iterate>
-                                    <p:tmAbs val="0"/>
-                                  </p:iterate>
                                   <p:childTnLst>
                                     <p:set>
                                       <p:cBhvr>
@@ -11136,9 +11176,6 @@
                                   <p:stCondLst>
                                     <p:cond delay="0"/>
                                   </p:stCondLst>
-                                  <p:iterate>
-                                    <p:tmAbs val="0"/>
-                                  </p:iterate>
                                   <p:childTnLst>
                                     <p:set>
                                       <p:cBhvr>
@@ -11226,9 +11263,6 @@
                                   <p:stCondLst>
                                     <p:cond delay="0"/>
                                   </p:stCondLst>
-                                  <p:iterate>
-                                    <p:tmAbs val="0"/>
-                                  </p:iterate>
                                   <p:childTnLst>
                                     <p:set>
                                       <p:cBhvr>
@@ -11356,9 +11390,6 @@
                                   <p:stCondLst>
                                     <p:cond delay="0"/>
                                   </p:stCondLst>
-                                  <p:iterate>
-                                    <p:tmAbs val="0"/>
-                                  </p:iterate>
                                   <p:childTnLst>
                                     <p:set>
                                       <p:cBhvr>
@@ -11623,7 +11654,7 @@
           <p:nvPr/>
         </p:nvPicPr>
         <p:blipFill>
-          <a:blip r:embed="rId2">
+          <a:blip r:embed="rId1">
             <a:extLst>
               <a:ext uri="{28A0092B-C50C-407E-A947-70E740481C1C}">
                 <a14:useLocalDpi xmlns:a14="http://schemas.microsoft.com/office/drawing/2010/main" val="0"/>
@@ -11741,7 +11772,7 @@
           <p:nvPr/>
         </p:nvPicPr>
         <p:blipFill>
-          <a:blip r:embed="rId3">
+          <a:blip r:embed="rId2">
             <a:extLst>
               <a:ext uri="{28A0092B-C50C-407E-A947-70E740481C1C}">
                 <a14:useLocalDpi xmlns:a14="http://schemas.microsoft.com/office/drawing/2010/main" val="0"/>
@@ -11786,6 +11817,208 @@
           </a:extLst>
         </p:spPr>
       </p:pic>
+    </p:spTree>
+  </p:cSld>
+  <p:clrMapOvr>
+    <a:masterClrMapping/>
+  </p:clrMapOvr>
+  <p:timing>
+    <p:tnLst>
+      <p:par>
+        <p:cTn id="1" dur="indefinite" restart="never" nodeType="tmRoot"/>
+      </p:par>
+    </p:tnLst>
+  </p:timing>
+</p:sld>
+</file>
+
+<file path=ppt/slides/slide16.xml><?xml version="1.0" encoding="utf-8"?>
+<p:sld xmlns:a="http://schemas.openxmlformats.org/drawingml/2006/main" xmlns:r="http://schemas.openxmlformats.org/officeDocument/2006/relationships" xmlns:p="http://schemas.openxmlformats.org/presentationml/2006/main">
+  <p:cSld>
+    <p:spTree>
+      <p:nvGrpSpPr>
+        <p:cNvPr id="1" name=""/>
+        <p:cNvGrpSpPr/>
+        <p:nvPr/>
+      </p:nvGrpSpPr>
+      <p:grpSpPr>
+        <a:xfrm>
+          <a:off x="0" y="0"/>
+          <a:ext cx="0" cy="0"/>
+          <a:chOff x="0" y="0"/>
+          <a:chExt cx="0" cy="0"/>
+        </a:xfrm>
+      </p:grpSpPr>
+      <p:sp>
+        <p:nvSpPr>
+          <p:cNvPr id="2" name="内容占位符 1"/>
+          <p:cNvSpPr>
+            <a:spLocks noGrp="1"/>
+          </p:cNvSpPr>
+          <p:nvPr>
+            <p:ph sz="quarter" idx="10"/>
+          </p:nvPr>
+        </p:nvSpPr>
+        <p:spPr>
+          <a:xfrm>
+            <a:off x="981710" y="840105"/>
+            <a:ext cx="9776460" cy="5196205"/>
+          </a:xfrm>
+        </p:spPr>
+        <p:txBody>
+          <a:bodyPr/>
+          <a:lstStyle/>
+          <a:p>
+            <a:pPr>
+              <a:lnSpc>
+                <a:spcPct val="130000"/>
+              </a:lnSpc>
+            </a:pPr>
+            <a:r>
+              <a:rPr lang="en-US" altLang="zh-CN" sz="3200" dirty="0">
+                <a:solidFill>
+                  <a:schemeClr val="tx1"/>
+                </a:solidFill>
+                <a:sym typeface="+mn-ea"/>
+              </a:rPr>
+              <a:t>codefordream</a:t>
+            </a:r>
+            <a:r>
+              <a:rPr lang="zh-CN" altLang="en-US" sz="3200" dirty="0">
+                <a:solidFill>
+                  <a:schemeClr val="tx1"/>
+                </a:solidFill>
+                <a:sym typeface="+mn-ea"/>
+              </a:rPr>
+              <a:t>网站上</a:t>
+            </a:r>
+            <a:r>
+              <a:rPr lang="en-US" altLang="zh-CN" sz="3200" dirty="0">
+                <a:solidFill>
+                  <a:srgbClr val="FF0000"/>
+                </a:solidFill>
+                <a:sym typeface="+mn-ea"/>
+              </a:rPr>
+              <a:t>JavaScript</a:t>
+            </a:r>
+            <a:r>
+              <a:rPr lang="zh-CN" sz="3200" dirty="0">
+                <a:solidFill>
+                  <a:srgbClr val="FF0000"/>
+                </a:solidFill>
+                <a:sym typeface="+mn-ea"/>
+              </a:rPr>
+              <a:t>中级</a:t>
+            </a:r>
+            <a:endParaRPr lang="zh-CN" altLang="en-US" sz="3200" dirty="0">
+              <a:solidFill>
+                <a:schemeClr val="tx1"/>
+              </a:solidFill>
+              <a:sym typeface="+mn-ea"/>
+            </a:endParaRPr>
+          </a:p>
+          <a:p>
+            <a:pPr>
+              <a:lnSpc>
+                <a:spcPct val="130000"/>
+              </a:lnSpc>
+            </a:pPr>
+            <a:r>
+              <a:rPr lang="zh-CN" altLang="en-US" sz="3200" dirty="0">
+                <a:solidFill>
+                  <a:schemeClr val="tx1"/>
+                </a:solidFill>
+                <a:sym typeface="+mn-ea"/>
+              </a:rPr>
+              <a:t>复习本章内容及练习</a:t>
+            </a:r>
+            <a:endParaRPr lang="zh-CN" altLang="en-US" sz="3200" dirty="0">
+              <a:solidFill>
+                <a:schemeClr val="tx1"/>
+              </a:solidFill>
+              <a:sym typeface="+mn-ea"/>
+            </a:endParaRPr>
+          </a:p>
+          <a:p>
+            <a:pPr>
+              <a:lnSpc>
+                <a:spcPct val="130000"/>
+              </a:lnSpc>
+            </a:pPr>
+            <a:r>
+              <a:rPr lang="en-US" altLang="zh-CN" sz="3200" dirty="0">
+                <a:solidFill>
+                  <a:schemeClr val="tx1"/>
+                </a:solidFill>
+                <a:sym typeface="+mn-ea"/>
+              </a:rPr>
+              <a:t>freecodecamp</a:t>
+            </a:r>
+            <a:r>
+              <a:rPr lang="zh-CN" altLang="en-US" sz="3200" dirty="0">
+                <a:solidFill>
+                  <a:schemeClr val="tx1"/>
+                </a:solidFill>
+                <a:sym typeface="+mn-ea"/>
+              </a:rPr>
+              <a:t>在线</a:t>
+            </a:r>
+            <a:r>
+              <a:rPr lang="zh-CN" altLang="en-US" sz="3200" dirty="0">
+                <a:solidFill>
+                  <a:schemeClr val="tx1"/>
+                </a:solidFill>
+                <a:sym typeface="+mn-ea"/>
+              </a:rPr>
+              <a:t>任务</a:t>
+            </a:r>
+            <a:endParaRPr lang="zh-CN" altLang="en-US" sz="3200" dirty="0">
+              <a:solidFill>
+                <a:schemeClr val="tx1"/>
+              </a:solidFill>
+              <a:sym typeface="+mn-ea"/>
+            </a:endParaRPr>
+          </a:p>
+          <a:p>
+            <a:pPr>
+              <a:lnSpc>
+                <a:spcPct val="160000"/>
+              </a:lnSpc>
+            </a:pPr>
+            <a:endParaRPr kumimoji="0" lang="zh-CN" altLang="en-US" sz="3200" dirty="0" smtClean="0">
+              <a:solidFill>
+                <a:schemeClr val="tx1"/>
+              </a:solidFill>
+            </a:endParaRPr>
+          </a:p>
+          <a:p>
+            <a:endParaRPr lang="zh-CN" altLang="en-US" dirty="0"/>
+          </a:p>
+        </p:txBody>
+      </p:sp>
+      <p:sp>
+        <p:nvSpPr>
+          <p:cNvPr id="3" name="内容占位符 2"/>
+          <p:cNvSpPr>
+            <a:spLocks noGrp="1"/>
+          </p:cNvSpPr>
+          <p:nvPr>
+            <p:ph sz="quarter" idx="11"/>
+          </p:nvPr>
+        </p:nvSpPr>
+        <p:spPr/>
+        <p:txBody>
+          <a:bodyPr/>
+          <a:lstStyle/>
+          <a:p>
+            <a:r>
+              <a:rPr lang="zh-CN" altLang="en-US" dirty="0"/>
+              <a:t>作业</a:t>
+            </a:r>
+            <a:endParaRPr lang="zh-CN" altLang="en-US" dirty="0"/>
+          </a:p>
+        </p:txBody>
+      </p:sp>
     </p:spTree>
   </p:cSld>
   <p:clrMapOvr>
@@ -11998,6 +12231,12 @@
               </a:rPr>
               <a:t>对象及继承方式综述</a:t>
             </a:r>
+            <a:endParaRPr lang="zh-CN" altLang="en-US" sz="2800" b="1">
+              <a:solidFill>
+                <a:srgbClr val="FF0000"/>
+              </a:solidFill>
+              <a:sym typeface="+mn-ea"/>
+            </a:endParaRPr>
           </a:p>
           <a:p>
             <a:pPr algn="l">
@@ -12024,6 +12263,7 @@
               <a:rPr lang="zh-CN" altLang="en-US" sz="2800" b="1"/>
               <a:t>对象的原型链</a:t>
             </a:r>
+            <a:endParaRPr lang="zh-CN" altLang="en-US" sz="2800" b="1"/>
           </a:p>
           <a:p>
             <a:pPr algn="l">
@@ -12051,6 +12291,12 @@
               </a:rPr>
               <a:t>基于构造函数实现的原型继承</a:t>
             </a:r>
+            <a:endParaRPr lang="zh-CN" altLang="en-US" sz="2800" b="1">
+              <a:solidFill>
+                <a:schemeClr val="tx1"/>
+              </a:solidFill>
+              <a:sym typeface="+mn-ea"/>
+            </a:endParaRPr>
           </a:p>
         </p:txBody>
       </p:sp>
@@ -12366,15 +12612,6 @@
               </a:rPr>
               <a:t>对象知识回顾</a:t>
             </a:r>
-            <a:r>
-              <a:rPr kumimoji="0" lang="zh-CN" altLang="en-US" sz="3200" dirty="0" smtClean="0">
-                <a:solidFill>
-                  <a:schemeClr val="accent3"/>
-                </a:solidFill>
-                <a:sym typeface="+mn-ea"/>
-              </a:rPr>
-              <a:t/>
-            </a:r>
             <a:br>
               <a:rPr kumimoji="0" lang="zh-CN" altLang="en-US" sz="3200" dirty="0" smtClean="0">
                 <a:solidFill>
@@ -12419,15 +12656,6 @@
               </a:rPr>
               <a:t>（数据属性、访问器属性、内部属性）</a:t>
             </a:r>
-            <a:r>
-              <a:rPr kumimoji="0" lang="zh-CN" altLang="en-US" sz="3200" dirty="0" smtClean="0">
-                <a:solidFill>
-                  <a:schemeClr val="accent3"/>
-                </a:solidFill>
-                <a:sym typeface="+mn-ea"/>
-              </a:rPr>
-              <a:t/>
-            </a:r>
             <a:br>
               <a:rPr kumimoji="0" lang="zh-CN" altLang="en-US" sz="3200" dirty="0" smtClean="0">
                 <a:solidFill>
@@ -12535,14 +12763,6 @@
               </a:rPr>
               <a:t>实例化对象</a:t>
             </a:r>
-            <a:r>
-              <a:rPr kumimoji="0" lang="zh-CN" altLang="en-US" sz="2000" dirty="0" smtClean="0">
-                <a:solidFill>
-                  <a:schemeClr val="tx1"/>
-                </a:solidFill>
-              </a:rPr>
-              <a:t/>
-            </a:r>
             <a:br>
               <a:rPr kumimoji="0" lang="zh-CN" altLang="en-US" sz="2000" dirty="0" smtClean="0">
                 <a:solidFill>
@@ -12550,14 +12770,6 @@
                 </a:solidFill>
               </a:rPr>
             </a:br>
-            <a:r>
-              <a:rPr kumimoji="0" lang="zh-CN" altLang="en-US" sz="2000" dirty="0" smtClean="0">
-                <a:solidFill>
-                  <a:schemeClr val="tx1"/>
-                </a:solidFill>
-              </a:rPr>
-              <a:t/>
-            </a:r>
             <a:br>
               <a:rPr kumimoji="0" lang="zh-CN" altLang="en-US" sz="2000" dirty="0" smtClean="0">
                 <a:solidFill>
@@ -12565,14 +12777,6 @@
                 </a:solidFill>
               </a:rPr>
             </a:br>
-            <a:r>
-              <a:rPr kumimoji="0" lang="zh-CN" altLang="en-US" sz="2000" dirty="0" smtClean="0">
-                <a:solidFill>
-                  <a:schemeClr val="tx1"/>
-                </a:solidFill>
-              </a:rPr>
-              <a:t/>
-            </a:r>
             <a:br>
               <a:rPr kumimoji="0" lang="zh-CN" altLang="en-US" sz="2000" dirty="0" smtClean="0">
                 <a:solidFill>
@@ -12580,14 +12784,6 @@
                 </a:solidFill>
               </a:rPr>
             </a:br>
-            <a:r>
-              <a:rPr kumimoji="0" lang="zh-CN" altLang="en-US" sz="2000" dirty="0" smtClean="0">
-                <a:solidFill>
-                  <a:schemeClr val="tx1"/>
-                </a:solidFill>
-              </a:rPr>
-              <a:t/>
-            </a:r>
             <a:br>
               <a:rPr kumimoji="0" lang="zh-CN" altLang="en-US" sz="2000" dirty="0" smtClean="0">
                 <a:solidFill>
@@ -12595,14 +12791,6 @@
                 </a:solidFill>
               </a:rPr>
             </a:br>
-            <a:r>
-              <a:rPr kumimoji="0" lang="zh-CN" altLang="en-US" sz="2000" dirty="0" smtClean="0">
-                <a:solidFill>
-                  <a:schemeClr val="tx1"/>
-                </a:solidFill>
-              </a:rPr>
-              <a:t/>
-            </a:r>
             <a:br>
               <a:rPr kumimoji="0" lang="zh-CN" altLang="en-US" sz="2000" dirty="0" smtClean="0">
                 <a:solidFill>
@@ -12610,14 +12798,6 @@
                 </a:solidFill>
               </a:rPr>
             </a:br>
-            <a:r>
-              <a:rPr kumimoji="0" lang="zh-CN" altLang="en-US" sz="2000" dirty="0" smtClean="0">
-                <a:solidFill>
-                  <a:schemeClr val="tx1"/>
-                </a:solidFill>
-              </a:rPr>
-              <a:t/>
-            </a:r>
             <a:br>
               <a:rPr kumimoji="0" lang="zh-CN" altLang="en-US" sz="2000" dirty="0" smtClean="0">
                 <a:solidFill>
@@ -12625,14 +12805,6 @@
                 </a:solidFill>
               </a:rPr>
             </a:br>
-            <a:r>
-              <a:rPr kumimoji="0" lang="zh-CN" altLang="en-US" sz="2000" dirty="0" smtClean="0">
-                <a:solidFill>
-                  <a:schemeClr val="tx1"/>
-                </a:solidFill>
-              </a:rPr>
-              <a:t/>
-            </a:r>
             <a:br>
               <a:rPr kumimoji="0" lang="zh-CN" altLang="en-US" sz="2000" dirty="0" smtClean="0">
                 <a:solidFill>
@@ -12640,14 +12812,6 @@
                 </a:solidFill>
               </a:rPr>
             </a:br>
-            <a:r>
-              <a:rPr kumimoji="0" lang="zh-CN" altLang="en-US" sz="2000" dirty="0" smtClean="0">
-                <a:solidFill>
-                  <a:schemeClr val="tx1"/>
-                </a:solidFill>
-              </a:rPr>
-              <a:t/>
-            </a:r>
             <a:br>
               <a:rPr kumimoji="0" lang="zh-CN" altLang="en-US" sz="2000" dirty="0" smtClean="0">
                 <a:solidFill>
@@ -12715,6 +12879,7 @@
               <a:rPr kumimoji="0" lang="zh-CN" altLang="en-US" dirty="0"/>
               <a:t>对象及继承方式综述</a:t>
             </a:r>
+            <a:endParaRPr kumimoji="0" lang="zh-CN" altLang="en-US" dirty="0"/>
           </a:p>
         </p:txBody>
       </p:sp>
@@ -12727,7 +12892,7 @@
           <p:nvPr/>
         </p:nvPicPr>
         <p:blipFill>
-          <a:blip r:embed="rId3"/>
+          <a:blip r:embed="rId1"/>
           <a:srcRect l="6634" b="25062"/>
           <a:stretch>
             <a:fillRect/>
@@ -12752,7 +12917,7 @@
           <p:nvPr/>
         </p:nvPicPr>
         <p:blipFill>
-          <a:blip r:embed="rId4"/>
+          <a:blip r:embed="rId2"/>
           <a:srcRect b="13422"/>
           <a:stretch>
             <a:fillRect/>
@@ -12821,6 +12986,13 @@
               </a:rPr>
               <a:t>生成对象及对象原型链</a:t>
             </a:r>
+            <a:endParaRPr lang="zh-CN" altLang="en-US" sz="2200">
+              <a:solidFill>
+                <a:srgbClr val="FF0000"/>
+              </a:solidFill>
+              <a:latin typeface="+mn-ea"/>
+              <a:ea typeface="+mn-ea"/>
+            </a:endParaRPr>
           </a:p>
         </p:txBody>
       </p:sp>
@@ -12833,7 +13005,7 @@
           <p:nvPr/>
         </p:nvPicPr>
         <p:blipFill>
-          <a:blip r:embed="rId5"/>
+          <a:blip r:embed="rId3"/>
           <a:stretch>
             <a:fillRect/>
           </a:stretch>
@@ -13476,14 +13648,6 @@
               </a:rPr>
               <a:t>null</a:t>
             </a:r>
-            <a:r>
-              <a:rPr lang="zh-CN" altLang="en-US" sz="2000" dirty="0">
-                <a:solidFill>
-                  <a:schemeClr val="tx1"/>
-                </a:solidFill>
-              </a:rPr>
-              <a:t/>
-            </a:r>
             <a:br>
               <a:rPr lang="zh-CN" altLang="en-US" sz="2000" dirty="0">
                 <a:solidFill>
@@ -13615,6 +13779,12 @@
               </a:rPr>
               <a:t>属性来访问原型对象</a:t>
             </a:r>
+            <a:endParaRPr lang="zh-CN" altLang="en-US" sz="2000" dirty="0">
+              <a:solidFill>
+                <a:schemeClr val="tx1"/>
+              </a:solidFill>
+              <a:sym typeface="+mn-ea"/>
+            </a:endParaRPr>
           </a:p>
           <a:p>
             <a:pPr marL="168275" lvl="1" indent="0">
@@ -13734,6 +13904,13 @@
               </a:rPr>
               <a:t>和原型对象</a:t>
             </a:r>
+            <a:endParaRPr lang="zh-CN" altLang="en-US" sz="2200">
+              <a:solidFill>
+                <a:srgbClr val="FF0000"/>
+              </a:solidFill>
+              <a:latin typeface="+mn-ea"/>
+              <a:ea typeface="+mn-ea"/>
+            </a:endParaRPr>
           </a:p>
         </p:txBody>
       </p:sp>
@@ -13746,7 +13923,7 @@
           <p:nvPr/>
         </p:nvPicPr>
         <p:blipFill>
-          <a:blip r:embed="rId3"/>
+          <a:blip r:embed="rId1"/>
           <a:stretch>
             <a:fillRect/>
           </a:stretch>
@@ -14275,6 +14452,12 @@
               </a:rPr>
               <a:t>对象及继承方式综述</a:t>
             </a:r>
+            <a:endParaRPr lang="zh-CN" altLang="en-US" sz="2800" b="1">
+              <a:solidFill>
+                <a:schemeClr val="tx1"/>
+              </a:solidFill>
+              <a:sym typeface="+mn-ea"/>
+            </a:endParaRPr>
           </a:p>
           <a:p>
             <a:pPr algn="l">
@@ -14311,6 +14494,12 @@
               </a:rPr>
               <a:t>对象的原型链</a:t>
             </a:r>
+            <a:endParaRPr lang="zh-CN" altLang="en-US" sz="2800" b="1">
+              <a:solidFill>
+                <a:schemeClr val="accent3"/>
+              </a:solidFill>
+              <a:sym typeface="+mn-ea"/>
+            </a:endParaRPr>
           </a:p>
           <a:p>
             <a:pPr algn="l">
@@ -14338,6 +14527,12 @@
               </a:rPr>
               <a:t>基于构造函数实现的原型继承</a:t>
             </a:r>
+            <a:endParaRPr lang="zh-CN" altLang="en-US" sz="2800" b="1">
+              <a:solidFill>
+                <a:schemeClr val="tx1"/>
+              </a:solidFill>
+              <a:sym typeface="+mn-ea"/>
+            </a:endParaRPr>
           </a:p>
         </p:txBody>
       </p:sp>
@@ -14643,6 +14838,7 @@
                 <a:rPr sz="2400"/>
                 <a:t>obj</a:t>
               </a:r>
+              <a:endParaRPr sz="2400"/>
             </a:p>
           </p:txBody>
         </p:sp>
@@ -14751,7 +14947,7 @@
             <p:nvPr/>
           </p:nvPicPr>
           <p:blipFill>
-            <a:blip r:embed="rId3"/>
+            <a:blip r:embed="rId1"/>
             <a:stretch>
               <a:fillRect/>
             </a:stretch>
@@ -14780,7 +14976,7 @@
             <p:nvPr/>
           </p:nvPicPr>
           <p:blipFill>
-            <a:blip r:embed="rId4"/>
+            <a:blip r:embed="rId2"/>
             <a:stretch>
               <a:fillRect/>
             </a:stretch>
@@ -14923,6 +15119,11 @@
                 </a:rPr>
                 <a:t>[[proto]]</a:t>
               </a:r>
+              <a:endParaRPr b="1">
+                <a:solidFill>
+                  <a:srgbClr val="9A403E"/>
+                </a:solidFill>
+              </a:endParaRPr>
             </a:p>
           </p:txBody>
         </p:sp>
@@ -15017,6 +15218,7 @@
               <a:rPr sz="1900"/>
               <a:t>Object.prototype</a:t>
             </a:r>
+            <a:endParaRPr sz="1900"/>
           </a:p>
         </p:txBody>
       </p:sp>
@@ -15105,6 +15307,7 @@
               <a:rPr sz="1900"/>
               <a:t>null</a:t>
             </a:r>
+            <a:endParaRPr sz="1900"/>
           </a:p>
         </p:txBody>
       </p:sp>
@@ -15142,6 +15345,7 @@
               <a:rPr sz="2250"/>
               <a:t>var proObj = {</a:t>
             </a:r>
+            <a:endParaRPr sz="2250"/>
           </a:p>
           <a:p>
             <a:pPr lvl="0" algn="l" defTabSz="457200">
@@ -15154,6 +15358,7 @@
               <a:rPr sz="2250"/>
               <a:t>    z:3</a:t>
             </a:r>
+            <a:endParaRPr sz="2250"/>
           </a:p>
           <a:p>
             <a:pPr lvl="0" algn="l" defTabSz="457200">
@@ -15166,6 +15371,7 @@
               <a:rPr sz="2250"/>
               <a:t>};</a:t>
             </a:r>
+            <a:endParaRPr sz="2250"/>
           </a:p>
         </p:txBody>
       </p:sp>
@@ -15211,6 +15417,11 @@
               </a:rPr>
               <a:t>//1</a:t>
             </a:r>
+            <a:endParaRPr sz="2250">
+              <a:solidFill>
+                <a:schemeClr val="tx2"/>
+              </a:solidFill>
+            </a:endParaRPr>
           </a:p>
           <a:p>
             <a:pPr lvl="0" algn="l" defTabSz="457200">
@@ -15231,6 +15442,11 @@
               </a:rPr>
               <a:t>//2</a:t>
             </a:r>
+            <a:endParaRPr sz="2250">
+              <a:solidFill>
+                <a:schemeClr val="tx2"/>
+              </a:solidFill>
+            </a:endParaRPr>
           </a:p>
           <a:p>
             <a:pPr lvl="0" algn="l" defTabSz="457200">
@@ -15251,6 +15467,11 @@
               </a:rPr>
               <a:t>//3</a:t>
             </a:r>
+            <a:endParaRPr sz="2250">
+              <a:solidFill>
+                <a:schemeClr val="tx2"/>
+              </a:solidFill>
+            </a:endParaRPr>
           </a:p>
           <a:p>
             <a:pPr lvl="0" algn="l" defTabSz="457200">
@@ -15280,6 +15501,11 @@
               </a:rPr>
               <a:t>//true</a:t>
             </a:r>
+            <a:endParaRPr sz="2250">
+              <a:solidFill>
+                <a:schemeClr val="tx2"/>
+              </a:solidFill>
+            </a:endParaRPr>
           </a:p>
           <a:p>
             <a:pPr lvl="0" algn="l" defTabSz="457200">
@@ -15300,6 +15526,11 @@
               </a:rPr>
               <a:t>//false</a:t>
             </a:r>
+            <a:endParaRPr sz="2250">
+              <a:solidFill>
+                <a:schemeClr val="tx2"/>
+              </a:solidFill>
+            </a:endParaRPr>
           </a:p>
         </p:txBody>
       </p:sp>
@@ -15436,7 +15667,7 @@
               <p:nvPr/>
             </p:nvPicPr>
             <p:blipFill>
-              <a:blip r:embed="rId5"/>
+              <a:blip r:embed="rId3"/>
               <a:stretch>
                 <a:fillRect/>
               </a:stretch>
@@ -15631,6 +15862,11 @@
                   </a:rPr>
                   <a:t>[[proto]]</a:t>
                 </a:r>
+                <a:endParaRPr sz="1100" b="1">
+                  <a:solidFill>
+                    <a:srgbClr val="9A403E"/>
+                  </a:solidFill>
+                </a:endParaRPr>
               </a:p>
             </p:txBody>
           </p:sp>
@@ -15673,6 +15909,7 @@
                 <a:rPr lang="en-US" sz="2400"/>
                 <a:t>proObj</a:t>
               </a:r>
+              <a:endParaRPr lang="en-US" sz="2400"/>
             </a:p>
           </p:txBody>
         </p:sp>
@@ -15711,6 +15948,7 @@
               <a:rPr sz="2250"/>
               <a:t>var obj = Object.create(proObj);</a:t>
             </a:r>
+            <a:endParaRPr sz="2250"/>
           </a:p>
           <a:p>
             <a:pPr lvl="0" algn="l" defTabSz="457200">
@@ -15723,6 +15961,7 @@
               <a:rPr sz="2250"/>
               <a:t>obj.x = 1;</a:t>
             </a:r>
+            <a:endParaRPr sz="2250"/>
           </a:p>
           <a:p>
             <a:pPr lvl="0" algn="l" defTabSz="457200">
@@ -15735,6 +15974,7 @@
               <a:rPr sz="2250"/>
               <a:t>obj.y = 2;</a:t>
             </a:r>
+            <a:endParaRPr sz="2250"/>
           </a:p>
         </p:txBody>
       </p:sp>
@@ -15823,6 +16063,13 @@
               </a:rPr>
               <a:t>前半部分 原型链综述</a:t>
             </a:r>
+            <a:endParaRPr lang="zh-CN" altLang="en-US" sz="2200">
+              <a:solidFill>
+                <a:srgbClr val="FF0000"/>
+              </a:solidFill>
+              <a:latin typeface="+mn-ea"/>
+              <a:ea typeface="+mn-ea"/>
+            </a:endParaRPr>
           </a:p>
         </p:txBody>
       </p:sp>
@@ -16683,6 +16930,7 @@
               <a:rPr sz="2400"/>
               <a:t>obj</a:t>
             </a:r>
+            <a:endParaRPr sz="2400"/>
           </a:p>
         </p:txBody>
       </p:sp>
@@ -16787,7 +17035,7 @@
           <p:nvPr/>
         </p:nvPicPr>
         <p:blipFill>
-          <a:blip r:embed="rId3"/>
+          <a:blip r:embed="rId1"/>
           <a:stretch>
             <a:fillRect/>
           </a:stretch>
@@ -16816,7 +17064,7 @@
           <p:nvPr/>
         </p:nvPicPr>
         <p:blipFill>
-          <a:blip r:embed="rId4"/>
+          <a:blip r:embed="rId2"/>
           <a:stretch>
             <a:fillRect/>
           </a:stretch>
@@ -16955,6 +17203,11 @@
               </a:rPr>
               <a:t>[[proto]]</a:t>
             </a:r>
+            <a:endParaRPr b="1">
+              <a:solidFill>
+                <a:srgbClr val="9A403E"/>
+              </a:solidFill>
+            </a:endParaRPr>
           </a:p>
         </p:txBody>
       </p:sp>
@@ -17043,6 +17296,7 @@
               <a:rPr sz="1900"/>
               <a:t>Object.prototype</a:t>
             </a:r>
+            <a:endParaRPr sz="1900"/>
           </a:p>
         </p:txBody>
       </p:sp>
@@ -17131,6 +17385,7 @@
               <a:rPr sz="1900"/>
               <a:t>null</a:t>
             </a:r>
+            <a:endParaRPr sz="1900"/>
           </a:p>
         </p:txBody>
       </p:sp>
@@ -17235,7 +17490,7 @@
           <p:nvPr/>
         </p:nvPicPr>
         <p:blipFill>
-          <a:blip r:embed="rId5"/>
+          <a:blip r:embed="rId3"/>
           <a:stretch>
             <a:fillRect/>
           </a:stretch>
@@ -17421,6 +17676,11 @@
               </a:rPr>
               <a:t>[[proto]]</a:t>
             </a:r>
+            <a:endParaRPr sz="1100" b="1">
+              <a:solidFill>
+                <a:srgbClr val="9A403E"/>
+              </a:solidFill>
+            </a:endParaRPr>
           </a:p>
         </p:txBody>
       </p:sp>
@@ -17459,6 +17719,7 @@
               <a:rPr lang="en-US" sz="2400"/>
               <a:t>proObj</a:t>
             </a:r>
+            <a:endParaRPr lang="en-US" sz="2400"/>
           </a:p>
         </p:txBody>
       </p:sp>
@@ -17508,6 +17769,7 @@
               <a:rPr sz="2250"/>
               <a:t>;</a:t>
             </a:r>
+            <a:endParaRPr sz="2250"/>
           </a:p>
         </p:txBody>
       </p:sp>
@@ -17553,6 +17815,7 @@
               <a:rPr sz="2250"/>
               <a:t>;</a:t>
             </a:r>
+            <a:endParaRPr sz="2250"/>
           </a:p>
           <a:p>
             <a:pPr lvl="0" algn="l" defTabSz="457200">
@@ -17581,6 +17844,11 @@
               </a:rPr>
               <a:t>8</a:t>
             </a:r>
+            <a:endParaRPr lang="en-US" sz="2250">
+              <a:solidFill>
+                <a:schemeClr val="tx2"/>
+              </a:solidFill>
+            </a:endParaRPr>
           </a:p>
         </p:txBody>
       </p:sp>
@@ -17626,6 +17894,11 @@
               </a:rPr>
               <a:t>// true</a:t>
             </a:r>
+            <a:endParaRPr sz="2250">
+              <a:solidFill>
+                <a:schemeClr val="tx2"/>
+              </a:solidFill>
+            </a:endParaRPr>
           </a:p>
           <a:p>
             <a:pPr lvl="0" algn="l" defTabSz="457200">
@@ -17654,6 +17927,11 @@
               </a:rPr>
               <a:t>此时是几？</a:t>
             </a:r>
+            <a:endParaRPr lang="zh-CN" sz="2250">
+              <a:solidFill>
+                <a:schemeClr val="tx2"/>
+              </a:solidFill>
+            </a:endParaRPr>
           </a:p>
         </p:txBody>
       </p:sp>
@@ -17699,6 +17977,11 @@
               </a:rPr>
               <a:t>// true</a:t>
             </a:r>
+            <a:endParaRPr sz="2250">
+              <a:solidFill>
+                <a:schemeClr val="tx2"/>
+              </a:solidFill>
+            </a:endParaRPr>
           </a:p>
           <a:p>
             <a:pPr lvl="0" algn="l" defTabSz="457200">
@@ -17719,6 +18002,11 @@
               </a:rPr>
               <a:t>// still 3!!!</a:t>
             </a:r>
+            <a:endParaRPr sz="2250">
+              <a:solidFill>
+                <a:schemeClr val="tx2"/>
+              </a:solidFill>
+            </a:endParaRPr>
           </a:p>
         </p:txBody>
       </p:sp>
@@ -17729,7 +18017,7 @@
           <p:nvPr/>
         </p:nvPicPr>
         <p:blipFill>
-          <a:blip r:embed="rId6"/>
+          <a:blip r:embed="rId4"/>
           <a:stretch>
             <a:fillRect/>
           </a:stretch>
@@ -17801,6 +18089,11 @@
               </a:rPr>
               <a:t>// true</a:t>
             </a:r>
+            <a:endParaRPr sz="2250">
+              <a:solidFill>
+                <a:schemeClr val="tx2"/>
+              </a:solidFill>
+            </a:endParaRPr>
           </a:p>
           <a:p>
             <a:pPr lvl="0" algn="l" defTabSz="457200">
@@ -17821,6 +18114,11 @@
               </a:rPr>
               <a:t>// 5</a:t>
             </a:r>
+            <a:endParaRPr sz="2250">
+              <a:solidFill>
+                <a:schemeClr val="tx2"/>
+              </a:solidFill>
+            </a:endParaRPr>
           </a:p>
           <a:p>
             <a:pPr lvl="0" algn="l" defTabSz="457200">
@@ -17850,6 +18148,12 @@
               </a:rPr>
               <a:t>// still 3</a:t>
             </a:r>
+            <a:endParaRPr sz="2250">
+              <a:solidFill>
+                <a:schemeClr val="tx2"/>
+              </a:solidFill>
+              <a:sym typeface="+mn-ea"/>
+            </a:endParaRPr>
           </a:p>
         </p:txBody>
       </p:sp>
@@ -17860,7 +18164,7 @@
           <p:nvPr/>
         </p:nvPicPr>
         <p:blipFill>
-          <a:blip r:embed="rId7"/>
+          <a:blip r:embed="rId5"/>
           <a:srcRect/>
           <a:stretch>
             <a:fillRect/>
@@ -17978,6 +18282,13 @@
               </a:rPr>
               <a:t>后半部分 属性相关操作</a:t>
             </a:r>
+            <a:endParaRPr lang="zh-CN" altLang="en-US" sz="2200">
+              <a:solidFill>
+                <a:srgbClr val="FF0000"/>
+              </a:solidFill>
+              <a:latin typeface="+mn-ea"/>
+              <a:ea typeface="+mn-ea"/>
+            </a:endParaRPr>
           </a:p>
         </p:txBody>
       </p:sp>
@@ -18103,9 +18414,6 @@
                                   <p:stCondLst>
                                     <p:cond delay="0"/>
                                   </p:stCondLst>
-                                  <p:iterate>
-                                    <p:tmAbs val="0"/>
-                                  </p:iterate>
                                   <p:childTnLst>
                                     <p:set>
                                       <p:cBhvr>
@@ -18375,9 +18683,6 @@
                                   <p:stCondLst>
                                     <p:cond delay="0"/>
                                   </p:stCondLst>
-                                  <p:iterate>
-                                    <p:tmAbs val="0"/>
-                                  </p:iterate>
                                   <p:childTnLst>
                                     <p:set>
                                       <p:cBhvr>
@@ -18465,9 +18770,6 @@
                                   <p:stCondLst>
                                     <p:cond delay="0"/>
                                   </p:stCondLst>
-                                  <p:iterate>
-                                    <p:tmAbs val="0"/>
-                                  </p:iterate>
                                   <p:childTnLst>
                                     <p:set>
                                       <p:cBhvr>
@@ -18595,9 +18897,6 @@
                                   <p:stCondLst>
                                     <p:cond delay="0"/>
                                   </p:stCondLst>
-                                  <p:iterate>
-                                    <p:tmAbs val="0"/>
-                                  </p:iterate>
                                   <p:childTnLst>
                                     <p:set>
                                       <p:cBhvr>
@@ -19033,6 +19332,12 @@
               </a:rPr>
               <a:t>对象及继承方式综述</a:t>
             </a:r>
+            <a:endParaRPr lang="zh-CN" altLang="en-US" sz="2800" b="1">
+              <a:solidFill>
+                <a:schemeClr val="tx1"/>
+              </a:solidFill>
+              <a:sym typeface="+mn-ea"/>
+            </a:endParaRPr>
           </a:p>
           <a:p>
             <a:pPr algn="l">
@@ -19069,6 +19374,12 @@
               </a:rPr>
               <a:t>对象的原型链</a:t>
             </a:r>
+            <a:endParaRPr lang="zh-CN" altLang="en-US" sz="2800" b="1">
+              <a:solidFill>
+                <a:schemeClr val="tx1"/>
+              </a:solidFill>
+              <a:sym typeface="+mn-ea"/>
+            </a:endParaRPr>
           </a:p>
           <a:p>
             <a:pPr algn="l">
@@ -19096,6 +19407,12 @@
               </a:rPr>
               <a:t>基于构造函数实现的原型继承</a:t>
             </a:r>
+            <a:endParaRPr lang="zh-CN" altLang="en-US" sz="2800" b="1">
+              <a:solidFill>
+                <a:srgbClr val="FF0000"/>
+              </a:solidFill>
+              <a:sym typeface="+mn-ea"/>
+            </a:endParaRPr>
           </a:p>
         </p:txBody>
       </p:sp>
@@ -19492,15 +19809,6 @@
               </a:rPr>
               <a:t>对象</a:t>
             </a:r>
-            <a:r>
-              <a:rPr kumimoji="0" lang="zh-CN" altLang="en-US" sz="2000" dirty="0" smtClean="0">
-                <a:solidFill>
-                  <a:schemeClr val="tx1"/>
-                </a:solidFill>
-                <a:sym typeface="+mn-ea"/>
-              </a:rPr>
-              <a:t/>
-            </a:r>
             <a:br>
               <a:rPr kumimoji="0" lang="zh-CN" altLang="en-US" sz="2000" dirty="0" smtClean="0">
                 <a:solidFill>
@@ -19635,15 +19943,6 @@
               </a:rPr>
               <a:t>中通过构造函数来实现类的功能</a:t>
             </a:r>
-            <a:r>
-              <a:rPr kumimoji="0" lang="zh-CN" altLang="en-US" sz="2000" dirty="0" smtClean="0">
-                <a:solidFill>
-                  <a:schemeClr val="tx1"/>
-                </a:solidFill>
-                <a:sym typeface="+mn-ea"/>
-              </a:rPr>
-              <a:t/>
-            </a:r>
             <a:br>
               <a:rPr kumimoji="0" lang="zh-CN" altLang="en-US" sz="2000" dirty="0" smtClean="0">
                 <a:solidFill>
@@ -19750,14 +20049,6 @@
                 <a:sym typeface="+mn-ea"/>
               </a:rPr>
             </a:br>
-            <a:r>
-              <a:rPr kumimoji="0" lang="zh-CN" altLang="en-US" sz="2000" dirty="0" smtClean="0">
-                <a:solidFill>
-                  <a:schemeClr val="tx1"/>
-                </a:solidFill>
-              </a:rPr>
-              <a:t/>
-            </a:r>
             <a:br>
               <a:rPr kumimoji="0" lang="zh-CN" altLang="en-US" sz="2000" dirty="0" smtClean="0">
                 <a:solidFill>
@@ -19765,14 +20056,6 @@
                 </a:solidFill>
               </a:rPr>
             </a:br>
-            <a:r>
-              <a:rPr kumimoji="0" lang="zh-CN" altLang="en-US" sz="2000" dirty="0" smtClean="0">
-                <a:solidFill>
-                  <a:schemeClr val="tx1"/>
-                </a:solidFill>
-              </a:rPr>
-              <a:t/>
-            </a:r>
             <a:br>
               <a:rPr kumimoji="0" lang="zh-CN" altLang="en-US" sz="2000" dirty="0" smtClean="0">
                 <a:solidFill>
@@ -19780,14 +20063,6 @@
                 </a:solidFill>
               </a:rPr>
             </a:br>
-            <a:r>
-              <a:rPr kumimoji="0" lang="zh-CN" altLang="en-US" sz="2000" dirty="0" smtClean="0">
-                <a:solidFill>
-                  <a:schemeClr val="tx1"/>
-                </a:solidFill>
-              </a:rPr>
-              <a:t/>
-            </a:r>
             <a:br>
               <a:rPr kumimoji="0" lang="zh-CN" altLang="en-US" sz="2000" dirty="0" smtClean="0">
                 <a:solidFill>
@@ -19795,14 +20070,6 @@
                 </a:solidFill>
               </a:rPr>
             </a:br>
-            <a:r>
-              <a:rPr kumimoji="0" lang="zh-CN" altLang="en-US" sz="2000" dirty="0" smtClean="0">
-                <a:solidFill>
-                  <a:schemeClr val="tx1"/>
-                </a:solidFill>
-              </a:rPr>
-              <a:t/>
-            </a:r>
             <a:br>
               <a:rPr kumimoji="0" lang="zh-CN" altLang="en-US" sz="2000" dirty="0" smtClean="0">
                 <a:solidFill>
@@ -19810,14 +20077,6 @@
                 </a:solidFill>
               </a:rPr>
             </a:br>
-            <a:r>
-              <a:rPr kumimoji="0" lang="zh-CN" altLang="en-US" sz="2000" dirty="0" smtClean="0">
-                <a:solidFill>
-                  <a:schemeClr val="tx1"/>
-                </a:solidFill>
-              </a:rPr>
-              <a:t/>
-            </a:r>
             <a:br>
               <a:rPr kumimoji="0" lang="zh-CN" altLang="en-US" sz="2000" dirty="0" smtClean="0">
                 <a:solidFill>
@@ -19825,14 +20084,6 @@
                 </a:solidFill>
               </a:rPr>
             </a:br>
-            <a:r>
-              <a:rPr kumimoji="0" lang="zh-CN" altLang="en-US" sz="2000" dirty="0" smtClean="0">
-                <a:solidFill>
-                  <a:schemeClr val="tx1"/>
-                </a:solidFill>
-              </a:rPr>
-              <a:t/>
-            </a:r>
             <a:br>
               <a:rPr kumimoji="0" lang="zh-CN" altLang="en-US" sz="2000" dirty="0" smtClean="0">
                 <a:solidFill>
@@ -19840,14 +20091,6 @@
                 </a:solidFill>
               </a:rPr>
             </a:br>
-            <a:r>
-              <a:rPr kumimoji="0" lang="zh-CN" altLang="en-US" sz="2000" dirty="0" smtClean="0">
-                <a:solidFill>
-                  <a:schemeClr val="tx1"/>
-                </a:solidFill>
-              </a:rPr>
-              <a:t/>
-            </a:r>
             <a:br>
               <a:rPr kumimoji="0" lang="zh-CN" altLang="en-US" sz="2000" dirty="0" smtClean="0">
                 <a:solidFill>
@@ -19855,14 +20098,6 @@
                 </a:solidFill>
               </a:rPr>
             </a:br>
-            <a:r>
-              <a:rPr kumimoji="0" lang="zh-CN" altLang="en-US" sz="2000" dirty="0" smtClean="0">
-                <a:solidFill>
-                  <a:schemeClr val="tx1"/>
-                </a:solidFill>
-              </a:rPr>
-              <a:t/>
-            </a:r>
             <a:br>
               <a:rPr kumimoji="0" lang="zh-CN" altLang="en-US" sz="2000" dirty="0" smtClean="0">
                 <a:solidFill>
@@ -19941,7 +20176,7 @@
           <p:nvPr/>
         </p:nvPicPr>
         <p:blipFill>
-          <a:blip r:embed="rId3"/>
+          <a:blip r:embed="rId1"/>
           <a:srcRect/>
           <a:stretch>
             <a:fillRect/>
@@ -20010,6 +20245,13 @@
               </a:rPr>
               <a:t>构造函数实例化对象</a:t>
             </a:r>
+            <a:endParaRPr lang="zh-CN" altLang="en-US" sz="2200">
+              <a:solidFill>
+                <a:srgbClr val="FF0000"/>
+              </a:solidFill>
+              <a:latin typeface="+mn-ea"/>
+              <a:ea typeface="+mn-ea"/>
+            </a:endParaRPr>
           </a:p>
         </p:txBody>
       </p:sp>
@@ -20664,10 +20906,9 @@
       </a:lstStyle>
     </a:lnDef>
   </a:objectDefaults>
-  <a:extraClrSchemeLst/>
   <a:extLst>
     <a:ext uri="{05A4C25C-085E-4340-85A3-A5531E510DB2}">
-      <thm15:themeFamily xmlns="" xmlns:thm15="http://schemas.microsoft.com/office/thememl/2012/main" name="Office Theme" id="{62F939B6-93AF-4DB8-9C6B-D6C7DFDC589F}" vid="{4A3C46E8-61CC-4603-A589-7422A47A8E4A}"/>
+      <thm15:themeFamily xmlns:thm15="http://schemas.microsoft.com/office/thememl/2012/main" name="Office Theme" id="{62F939B6-93AF-4DB8-9C6B-D6C7DFDC589F}" vid="{4A3C46E8-61CC-4603-A589-7422A47A8E4A}"/>
     </a:ext>
   </a:extLst>
 </a:theme>
@@ -20951,11 +21192,9 @@
       </a:bgFillStyleLst>
     </a:fmtScheme>
   </a:themeElements>
-  <a:objectDefaults/>
-  <a:extraClrSchemeLst/>
   <a:extLst>
     <a:ext uri="{05A4C25C-085E-4340-85A3-A5531E510DB2}">
-      <thm15:themeFamily xmlns="" xmlns:thm15="http://schemas.microsoft.com/office/thememl/2012/main" name="Office Theme" id="{62F939B6-93AF-4DB8-9C6B-D6C7DFDC589F}" vid="{4A3C46E8-61CC-4603-A589-7422A47A8E4A}"/>
+      <thm15:themeFamily xmlns:thm15="http://schemas.microsoft.com/office/thememl/2012/main" name="Office Theme" id="{62F939B6-93AF-4DB8-9C6B-D6C7DFDC589F}" vid="{4A3C46E8-61CC-4603-A589-7422A47A8E4A}"/>
     </a:ext>
   </a:extLst>
 </a:theme>
